--- a/DOCUMENTACIÓN/APPRECETA.pptx
+++ b/DOCUMENTACIÓN/APPRECETA.pptx
@@ -209,7 +209,7 @@
           <a:p>
             <a:fld id="{76A63ED7-DB52-40DF-ABE7-394FD9997930}" type="datetimeFigureOut">
               <a:rPr lang="es-ES" smtClean="0"/>
-              <a:t>17/07/2015</a:t>
+              <a:t>27/07/2015</a:t>
             </a:fld>
             <a:endParaRPr lang="es-ES"/>
           </a:p>
@@ -826,7 +826,7 @@
           <a:p>
             <a:fld id="{7A847CFC-816F-41D0-AAC0-9BF4FEBC753E}" type="datetimeFigureOut">
               <a:rPr lang="es-ES" smtClean="0"/>
-              <a:t>17/07/2015</a:t>
+              <a:t>27/07/2015</a:t>
             </a:fld>
             <a:endParaRPr lang="es-ES"/>
           </a:p>
@@ -991,7 +991,7 @@
           <a:p>
             <a:fld id="{7A847CFC-816F-41D0-AAC0-9BF4FEBC753E}" type="datetimeFigureOut">
               <a:rPr lang="es-ES" smtClean="0"/>
-              <a:t>17/07/2015</a:t>
+              <a:t>27/07/2015</a:t>
             </a:fld>
             <a:endParaRPr lang="es-ES"/>
           </a:p>
@@ -1166,7 +1166,7 @@
           <a:p>
             <a:fld id="{7A847CFC-816F-41D0-AAC0-9BF4FEBC753E}" type="datetimeFigureOut">
               <a:rPr lang="es-ES" smtClean="0"/>
-              <a:t>17/07/2015</a:t>
+              <a:t>27/07/2015</a:t>
             </a:fld>
             <a:endParaRPr lang="es-ES"/>
           </a:p>
@@ -1331,7 +1331,7 @@
           <a:p>
             <a:fld id="{7A847CFC-816F-41D0-AAC0-9BF4FEBC753E}" type="datetimeFigureOut">
               <a:rPr lang="es-ES" smtClean="0"/>
-              <a:t>17/07/2015</a:t>
+              <a:t>27/07/2015</a:t>
             </a:fld>
             <a:endParaRPr lang="es-ES"/>
           </a:p>
@@ -1572,7 +1572,7 @@
           <a:p>
             <a:fld id="{7A847CFC-816F-41D0-AAC0-9BF4FEBC753E}" type="datetimeFigureOut">
               <a:rPr lang="es-ES" smtClean="0"/>
-              <a:t>17/07/2015</a:t>
+              <a:t>27/07/2015</a:t>
             </a:fld>
             <a:endParaRPr lang="es-ES"/>
           </a:p>
@@ -1855,7 +1855,7 @@
           <a:p>
             <a:fld id="{7A847CFC-816F-41D0-AAC0-9BF4FEBC753E}" type="datetimeFigureOut">
               <a:rPr lang="es-ES" smtClean="0"/>
-              <a:t>17/07/2015</a:t>
+              <a:t>27/07/2015</a:t>
             </a:fld>
             <a:endParaRPr lang="es-ES"/>
           </a:p>
@@ -2272,7 +2272,7 @@
           <a:p>
             <a:fld id="{7A847CFC-816F-41D0-AAC0-9BF4FEBC753E}" type="datetimeFigureOut">
               <a:rPr lang="es-ES" smtClean="0"/>
-              <a:t>17/07/2015</a:t>
+              <a:t>27/07/2015</a:t>
             </a:fld>
             <a:endParaRPr lang="es-ES"/>
           </a:p>
@@ -2385,7 +2385,7 @@
           <a:p>
             <a:fld id="{7A847CFC-816F-41D0-AAC0-9BF4FEBC753E}" type="datetimeFigureOut">
               <a:rPr lang="es-ES" smtClean="0"/>
-              <a:t>17/07/2015</a:t>
+              <a:t>27/07/2015</a:t>
             </a:fld>
             <a:endParaRPr lang="es-ES"/>
           </a:p>
@@ -2475,7 +2475,7 @@
           <a:p>
             <a:fld id="{7A847CFC-816F-41D0-AAC0-9BF4FEBC753E}" type="datetimeFigureOut">
               <a:rPr lang="es-ES" smtClean="0"/>
-              <a:t>17/07/2015</a:t>
+              <a:t>27/07/2015</a:t>
             </a:fld>
             <a:endParaRPr lang="es-ES"/>
           </a:p>
@@ -2747,7 +2747,7 @@
           <a:p>
             <a:fld id="{7A847CFC-816F-41D0-AAC0-9BF4FEBC753E}" type="datetimeFigureOut">
               <a:rPr lang="es-ES" smtClean="0"/>
-              <a:t>17/07/2015</a:t>
+              <a:t>27/07/2015</a:t>
             </a:fld>
             <a:endParaRPr lang="es-ES"/>
           </a:p>
@@ -2995,7 +2995,7 @@
           <a:p>
             <a:fld id="{7A847CFC-816F-41D0-AAC0-9BF4FEBC753E}" type="datetimeFigureOut">
               <a:rPr lang="es-ES" smtClean="0"/>
-              <a:t>17/07/2015</a:t>
+              <a:t>27/07/2015</a:t>
             </a:fld>
             <a:endParaRPr lang="es-ES"/>
           </a:p>
@@ -3203,7 +3203,7 @@
           <a:p>
             <a:fld id="{7A847CFC-816F-41D0-AAC0-9BF4FEBC753E}" type="datetimeFigureOut">
               <a:rPr lang="es-ES" smtClean="0"/>
-              <a:t>17/07/2015</a:t>
+              <a:t>27/07/2015</a:t>
             </a:fld>
             <a:endParaRPr lang="es-ES"/>
           </a:p>
@@ -3847,24 +3847,6 @@
               </a:rPr>
               <a:t>:</a:t>
             </a:r>
-            <a:endParaRPr lang="es-ES" sz="3600" b="1" dirty="0">
-              <a:ln w="9525">
-                <a:solidFill>
-                  <a:schemeClr val="bg1"/>
-                </a:solidFill>
-                <a:prstDash val="solid"/>
-              </a:ln>
-              <a:solidFill>
-                <a:srgbClr val="002060"/>
-              </a:solidFill>
-              <a:effectLst>
-                <a:outerShdw blurRad="12700" dist="38100" dir="2700000" algn="tl" rotWithShape="0">
-                  <a:schemeClr val="bg1">
-                    <a:lumMod val="50000"/>
-                  </a:schemeClr>
-                </a:outerShdw>
-              </a:effectLst>
-            </a:endParaRPr>
           </a:p>
         </p:txBody>
       </p:sp>
@@ -4022,8 +4004,8 @@
         </p:nvSpPr>
         <p:spPr>
           <a:xfrm>
-            <a:off x="1225664" y="3767526"/>
-            <a:ext cx="6692672" cy="1015663"/>
+            <a:off x="107504" y="3704869"/>
+            <a:ext cx="6438553" cy="1015663"/>
           </a:xfrm>
           <a:prstGeom prst="rect">
             <a:avLst/>
@@ -4076,6 +4058,36 @@
           </a:p>
         </p:txBody>
       </p:sp>
+      <p:pic>
+        <p:nvPicPr>
+          <p:cNvPr id="2" name="Imagen 1"/>
+          <p:cNvPicPr>
+            <a:picLocks noChangeAspect="1"/>
+          </p:cNvPicPr>
+          <p:nvPr/>
+        </p:nvPicPr>
+        <p:blipFill>
+          <a:blip r:embed="rId6" cstate="print">
+            <a:extLst>
+              <a:ext uri="{28A0092B-C50C-407E-A947-70E740481C1C}">
+                <a14:useLocalDpi xmlns:a14="http://schemas.microsoft.com/office/drawing/2010/main" val="0"/>
+              </a:ext>
+            </a:extLst>
+          </a:blip>
+          <a:stretch>
+            <a:fillRect/>
+          </a:stretch>
+        </p:blipFill>
+        <p:spPr>
+          <a:xfrm>
+            <a:off x="6626319" y="2823342"/>
+            <a:ext cx="2478536" cy="2778719"/>
+          </a:xfrm>
+          <a:prstGeom prst="rect">
+            <a:avLst/>
+          </a:prstGeom>
+        </p:spPr>
+      </p:pic>
     </p:spTree>
     <p:extLst>
       <p:ext uri="{BB962C8B-B14F-4D97-AF65-F5344CB8AC3E}">
@@ -4227,13 +4239,13 @@
   <p:clrMapOvr>
     <a:masterClrMapping/>
   </p:clrMapOvr>
-  <mc:AlternateContent xmlns:mc="http://schemas.openxmlformats.org/markup-compatibility/2006">
-    <mc:Choice xmlns:p14="http://schemas.microsoft.com/office/powerpoint/2010/main" Requires="p14">
+  <mc:AlternateContent xmlns:mc="http://schemas.openxmlformats.org/markup-compatibility/2006" xmlns:p14="http://schemas.microsoft.com/office/powerpoint/2010/main">
+    <mc:Choice Requires="p14">
       <p:transition spd="slow" p14:dur="2000">
         <p14:prism isContent="1"/>
       </p:transition>
     </mc:Choice>
-    <mc:Fallback>
+    <mc:Fallback xmlns="">
       <p:transition spd="slow">
         <p:fade/>
       </p:transition>

--- a/DOCUMENTACIÓN/APPRECETA.pptx
+++ b/DOCUMENTACIÓN/APPRECETA.pptx
@@ -5,11 +5,14 @@
     <p:sldMasterId id="2147483648" r:id="rId1"/>
   </p:sldMasterIdLst>
   <p:notesMasterIdLst>
-    <p:notesMasterId r:id="rId4"/>
+    <p:notesMasterId r:id="rId7"/>
   </p:notesMasterIdLst>
   <p:sldIdLst>
     <p:sldId id="257" r:id="rId2"/>
     <p:sldId id="316" r:id="rId3"/>
+    <p:sldId id="317" r:id="rId4"/>
+    <p:sldId id="318" r:id="rId5"/>
+    <p:sldId id="319" r:id="rId6"/>
   </p:sldIdLst>
   <p:sldSz cx="9144000" cy="6858000" type="screen4x3"/>
   <p:notesSz cx="6858000" cy="9144000"/>
@@ -209,7 +212,7 @@
           <a:p>
             <a:fld id="{76A63ED7-DB52-40DF-ABE7-394FD9997930}" type="datetimeFigureOut">
               <a:rPr lang="es-ES" smtClean="0"/>
-              <a:t>27/07/2015</a:t>
+              <a:t>31/07/2015</a:t>
             </a:fld>
             <a:endParaRPr lang="es-ES"/>
           </a:p>
@@ -645,6 +648,258 @@
 </p:notes>
 </file>
 
+<file path=ppt/notesSlides/notesSlide3.xml><?xml version="1.0" encoding="utf-8"?>
+<p:notes xmlns:a="http://schemas.openxmlformats.org/drawingml/2006/main" xmlns:r="http://schemas.openxmlformats.org/officeDocument/2006/relationships" xmlns:p="http://schemas.openxmlformats.org/presentationml/2006/main">
+  <p:cSld>
+    <p:spTree>
+      <p:nvGrpSpPr>
+        <p:cNvPr id="1" name=""/>
+        <p:cNvGrpSpPr/>
+        <p:nvPr/>
+      </p:nvGrpSpPr>
+      <p:grpSpPr>
+        <a:xfrm>
+          <a:off x="0" y="0"/>
+          <a:ext cx="0" cy="0"/>
+          <a:chOff x="0" y="0"/>
+          <a:chExt cx="0" cy="0"/>
+        </a:xfrm>
+      </p:grpSpPr>
+      <p:sp>
+        <p:nvSpPr>
+          <p:cNvPr id="2" name="Marcador de imagen de diapositiva 1"/>
+          <p:cNvSpPr>
+            <a:spLocks noGrp="1" noRot="1" noChangeAspect="1"/>
+          </p:cNvSpPr>
+          <p:nvPr>
+            <p:ph type="sldImg"/>
+          </p:nvPr>
+        </p:nvSpPr>
+        <p:spPr/>
+      </p:sp>
+      <p:sp>
+        <p:nvSpPr>
+          <p:cNvPr id="3" name="Marcador de notas 2"/>
+          <p:cNvSpPr>
+            <a:spLocks noGrp="1"/>
+          </p:cNvSpPr>
+          <p:nvPr>
+            <p:ph type="body" idx="1"/>
+          </p:nvPr>
+        </p:nvSpPr>
+        <p:spPr/>
+        <p:txBody>
+          <a:bodyPr/>
+          <a:lstStyle/>
+          <a:p>
+            <a:endParaRPr lang="es-ES" dirty="0"/>
+          </a:p>
+        </p:txBody>
+      </p:sp>
+      <p:sp>
+        <p:nvSpPr>
+          <p:cNvPr id="4" name="Marcador de número de diapositiva 3"/>
+          <p:cNvSpPr>
+            <a:spLocks noGrp="1"/>
+          </p:cNvSpPr>
+          <p:nvPr>
+            <p:ph type="sldNum" sz="quarter" idx="10"/>
+          </p:nvPr>
+        </p:nvSpPr>
+        <p:spPr/>
+        <p:txBody>
+          <a:bodyPr/>
+          <a:lstStyle/>
+          <a:p>
+            <a:fld id="{C2CF6B83-6809-4C27-9582-A8BAFAA2DE23}" type="slidenum">
+              <a:rPr lang="es-ES" smtClean="0"/>
+              <a:t>3</a:t>
+            </a:fld>
+            <a:endParaRPr lang="es-ES"/>
+          </a:p>
+        </p:txBody>
+      </p:sp>
+    </p:spTree>
+    <p:extLst>
+      <p:ext uri="{BB962C8B-B14F-4D97-AF65-F5344CB8AC3E}">
+        <p14:creationId xmlns:p14="http://schemas.microsoft.com/office/powerpoint/2010/main" val="1398197002"/>
+      </p:ext>
+    </p:extLst>
+  </p:cSld>
+  <p:clrMapOvr>
+    <a:masterClrMapping/>
+  </p:clrMapOvr>
+</p:notes>
+</file>
+
+<file path=ppt/notesSlides/notesSlide4.xml><?xml version="1.0" encoding="utf-8"?>
+<p:notes xmlns:a="http://schemas.openxmlformats.org/drawingml/2006/main" xmlns:r="http://schemas.openxmlformats.org/officeDocument/2006/relationships" xmlns:p="http://schemas.openxmlformats.org/presentationml/2006/main">
+  <p:cSld>
+    <p:spTree>
+      <p:nvGrpSpPr>
+        <p:cNvPr id="1" name=""/>
+        <p:cNvGrpSpPr/>
+        <p:nvPr/>
+      </p:nvGrpSpPr>
+      <p:grpSpPr>
+        <a:xfrm>
+          <a:off x="0" y="0"/>
+          <a:ext cx="0" cy="0"/>
+          <a:chOff x="0" y="0"/>
+          <a:chExt cx="0" cy="0"/>
+        </a:xfrm>
+      </p:grpSpPr>
+      <p:sp>
+        <p:nvSpPr>
+          <p:cNvPr id="2" name="Marcador de imagen de diapositiva 1"/>
+          <p:cNvSpPr>
+            <a:spLocks noGrp="1" noRot="1" noChangeAspect="1"/>
+          </p:cNvSpPr>
+          <p:nvPr>
+            <p:ph type="sldImg"/>
+          </p:nvPr>
+        </p:nvSpPr>
+        <p:spPr/>
+      </p:sp>
+      <p:sp>
+        <p:nvSpPr>
+          <p:cNvPr id="3" name="Marcador de notas 2"/>
+          <p:cNvSpPr>
+            <a:spLocks noGrp="1"/>
+          </p:cNvSpPr>
+          <p:nvPr>
+            <p:ph type="body" idx="1"/>
+          </p:nvPr>
+        </p:nvSpPr>
+        <p:spPr/>
+        <p:txBody>
+          <a:bodyPr/>
+          <a:lstStyle/>
+          <a:p>
+            <a:endParaRPr lang="es-ES" dirty="0"/>
+          </a:p>
+        </p:txBody>
+      </p:sp>
+      <p:sp>
+        <p:nvSpPr>
+          <p:cNvPr id="4" name="Marcador de número de diapositiva 3"/>
+          <p:cNvSpPr>
+            <a:spLocks noGrp="1"/>
+          </p:cNvSpPr>
+          <p:nvPr>
+            <p:ph type="sldNum" sz="quarter" idx="10"/>
+          </p:nvPr>
+        </p:nvSpPr>
+        <p:spPr/>
+        <p:txBody>
+          <a:bodyPr/>
+          <a:lstStyle/>
+          <a:p>
+            <a:fld id="{C2CF6B83-6809-4C27-9582-A8BAFAA2DE23}" type="slidenum">
+              <a:rPr lang="es-ES" smtClean="0"/>
+              <a:t>4</a:t>
+            </a:fld>
+            <a:endParaRPr lang="es-ES"/>
+          </a:p>
+        </p:txBody>
+      </p:sp>
+    </p:spTree>
+    <p:extLst>
+      <p:ext uri="{BB962C8B-B14F-4D97-AF65-F5344CB8AC3E}">
+        <p14:creationId xmlns:p14="http://schemas.microsoft.com/office/powerpoint/2010/main" val="1424306521"/>
+      </p:ext>
+    </p:extLst>
+  </p:cSld>
+  <p:clrMapOvr>
+    <a:masterClrMapping/>
+  </p:clrMapOvr>
+</p:notes>
+</file>
+
+<file path=ppt/notesSlides/notesSlide5.xml><?xml version="1.0" encoding="utf-8"?>
+<p:notes xmlns:a="http://schemas.openxmlformats.org/drawingml/2006/main" xmlns:r="http://schemas.openxmlformats.org/officeDocument/2006/relationships" xmlns:p="http://schemas.openxmlformats.org/presentationml/2006/main">
+  <p:cSld>
+    <p:spTree>
+      <p:nvGrpSpPr>
+        <p:cNvPr id="1" name=""/>
+        <p:cNvGrpSpPr/>
+        <p:nvPr/>
+      </p:nvGrpSpPr>
+      <p:grpSpPr>
+        <a:xfrm>
+          <a:off x="0" y="0"/>
+          <a:ext cx="0" cy="0"/>
+          <a:chOff x="0" y="0"/>
+          <a:chExt cx="0" cy="0"/>
+        </a:xfrm>
+      </p:grpSpPr>
+      <p:sp>
+        <p:nvSpPr>
+          <p:cNvPr id="2" name="Marcador de imagen de diapositiva 1"/>
+          <p:cNvSpPr>
+            <a:spLocks noGrp="1" noRot="1" noChangeAspect="1"/>
+          </p:cNvSpPr>
+          <p:nvPr>
+            <p:ph type="sldImg"/>
+          </p:nvPr>
+        </p:nvSpPr>
+        <p:spPr/>
+      </p:sp>
+      <p:sp>
+        <p:nvSpPr>
+          <p:cNvPr id="3" name="Marcador de notas 2"/>
+          <p:cNvSpPr>
+            <a:spLocks noGrp="1"/>
+          </p:cNvSpPr>
+          <p:nvPr>
+            <p:ph type="body" idx="1"/>
+          </p:nvPr>
+        </p:nvSpPr>
+        <p:spPr/>
+        <p:txBody>
+          <a:bodyPr/>
+          <a:lstStyle/>
+          <a:p>
+            <a:endParaRPr lang="es-ES" dirty="0"/>
+          </a:p>
+        </p:txBody>
+      </p:sp>
+      <p:sp>
+        <p:nvSpPr>
+          <p:cNvPr id="4" name="Marcador de número de diapositiva 3"/>
+          <p:cNvSpPr>
+            <a:spLocks noGrp="1"/>
+          </p:cNvSpPr>
+          <p:nvPr>
+            <p:ph type="sldNum" sz="quarter" idx="10"/>
+          </p:nvPr>
+        </p:nvSpPr>
+        <p:spPr/>
+        <p:txBody>
+          <a:bodyPr/>
+          <a:lstStyle/>
+          <a:p>
+            <a:fld id="{C2CF6B83-6809-4C27-9582-A8BAFAA2DE23}" type="slidenum">
+              <a:rPr lang="es-ES" smtClean="0"/>
+              <a:t>5</a:t>
+            </a:fld>
+            <a:endParaRPr lang="es-ES"/>
+          </a:p>
+        </p:txBody>
+      </p:sp>
+    </p:spTree>
+    <p:extLst>
+      <p:ext uri="{BB962C8B-B14F-4D97-AF65-F5344CB8AC3E}">
+        <p14:creationId xmlns:p14="http://schemas.microsoft.com/office/powerpoint/2010/main" val="1905555009"/>
+      </p:ext>
+    </p:extLst>
+  </p:cSld>
+  <p:clrMapOvr>
+    <a:masterClrMapping/>
+  </p:clrMapOvr>
+</p:notes>
+</file>
+
 <file path=ppt/slideLayouts/slideLayout1.xml><?xml version="1.0" encoding="utf-8"?>
 <p:sldLayout xmlns:a="http://schemas.openxmlformats.org/drawingml/2006/main" xmlns:r="http://schemas.openxmlformats.org/officeDocument/2006/relationships" xmlns:p="http://schemas.openxmlformats.org/presentationml/2006/main" type="title" preserve="1">
   <p:cSld name="Diapositiva de título">
@@ -826,7 +1081,7 @@
           <a:p>
             <a:fld id="{7A847CFC-816F-41D0-AAC0-9BF4FEBC753E}" type="datetimeFigureOut">
               <a:rPr lang="es-ES" smtClean="0"/>
-              <a:t>27/07/2015</a:t>
+              <a:t>31/07/2015</a:t>
             </a:fld>
             <a:endParaRPr lang="es-ES"/>
           </a:p>
@@ -991,7 +1246,7 @@
           <a:p>
             <a:fld id="{7A847CFC-816F-41D0-AAC0-9BF4FEBC753E}" type="datetimeFigureOut">
               <a:rPr lang="es-ES" smtClean="0"/>
-              <a:t>27/07/2015</a:t>
+              <a:t>31/07/2015</a:t>
             </a:fld>
             <a:endParaRPr lang="es-ES"/>
           </a:p>
@@ -1166,7 +1421,7 @@
           <a:p>
             <a:fld id="{7A847CFC-816F-41D0-AAC0-9BF4FEBC753E}" type="datetimeFigureOut">
               <a:rPr lang="es-ES" smtClean="0"/>
-              <a:t>27/07/2015</a:t>
+              <a:t>31/07/2015</a:t>
             </a:fld>
             <a:endParaRPr lang="es-ES"/>
           </a:p>
@@ -1331,7 +1586,7 @@
           <a:p>
             <a:fld id="{7A847CFC-816F-41D0-AAC0-9BF4FEBC753E}" type="datetimeFigureOut">
               <a:rPr lang="es-ES" smtClean="0"/>
-              <a:t>27/07/2015</a:t>
+              <a:t>31/07/2015</a:t>
             </a:fld>
             <a:endParaRPr lang="es-ES"/>
           </a:p>
@@ -1572,7 +1827,7 @@
           <a:p>
             <a:fld id="{7A847CFC-816F-41D0-AAC0-9BF4FEBC753E}" type="datetimeFigureOut">
               <a:rPr lang="es-ES" smtClean="0"/>
-              <a:t>27/07/2015</a:t>
+              <a:t>31/07/2015</a:t>
             </a:fld>
             <a:endParaRPr lang="es-ES"/>
           </a:p>
@@ -1855,7 +2110,7 @@
           <a:p>
             <a:fld id="{7A847CFC-816F-41D0-AAC0-9BF4FEBC753E}" type="datetimeFigureOut">
               <a:rPr lang="es-ES" smtClean="0"/>
-              <a:t>27/07/2015</a:t>
+              <a:t>31/07/2015</a:t>
             </a:fld>
             <a:endParaRPr lang="es-ES"/>
           </a:p>
@@ -2272,7 +2527,7 @@
           <a:p>
             <a:fld id="{7A847CFC-816F-41D0-AAC0-9BF4FEBC753E}" type="datetimeFigureOut">
               <a:rPr lang="es-ES" smtClean="0"/>
-              <a:t>27/07/2015</a:t>
+              <a:t>31/07/2015</a:t>
             </a:fld>
             <a:endParaRPr lang="es-ES"/>
           </a:p>
@@ -2385,7 +2640,7 @@
           <a:p>
             <a:fld id="{7A847CFC-816F-41D0-AAC0-9BF4FEBC753E}" type="datetimeFigureOut">
               <a:rPr lang="es-ES" smtClean="0"/>
-              <a:t>27/07/2015</a:t>
+              <a:t>31/07/2015</a:t>
             </a:fld>
             <a:endParaRPr lang="es-ES"/>
           </a:p>
@@ -2475,7 +2730,7 @@
           <a:p>
             <a:fld id="{7A847CFC-816F-41D0-AAC0-9BF4FEBC753E}" type="datetimeFigureOut">
               <a:rPr lang="es-ES" smtClean="0"/>
-              <a:t>27/07/2015</a:t>
+              <a:t>31/07/2015</a:t>
             </a:fld>
             <a:endParaRPr lang="es-ES"/>
           </a:p>
@@ -2747,7 +3002,7 @@
           <a:p>
             <a:fld id="{7A847CFC-816F-41D0-AAC0-9BF4FEBC753E}" type="datetimeFigureOut">
               <a:rPr lang="es-ES" smtClean="0"/>
-              <a:t>27/07/2015</a:t>
+              <a:t>31/07/2015</a:t>
             </a:fld>
             <a:endParaRPr lang="es-ES"/>
           </a:p>
@@ -2995,7 +3250,7 @@
           <a:p>
             <a:fld id="{7A847CFC-816F-41D0-AAC0-9BF4FEBC753E}" type="datetimeFigureOut">
               <a:rPr lang="es-ES" smtClean="0"/>
-              <a:t>27/07/2015</a:t>
+              <a:t>31/07/2015</a:t>
             </a:fld>
             <a:endParaRPr lang="es-ES"/>
           </a:p>
@@ -3203,7 +3458,7 @@
           <a:p>
             <a:fld id="{7A847CFC-816F-41D0-AAC0-9BF4FEBC753E}" type="datetimeFigureOut">
               <a:rPr lang="es-ES" smtClean="0"/>
-              <a:t>27/07/2015</a:t>
+              <a:t>31/07/2015</a:t>
             </a:fld>
             <a:endParaRPr lang="es-ES"/>
           </a:p>
@@ -3765,7 +4020,7 @@
         </p:blipFill>
         <p:spPr bwMode="auto">
           <a:xfrm>
-            <a:off x="1835696" y="607572"/>
+            <a:off x="496524" y="664395"/>
             <a:ext cx="2092117" cy="2958325"/>
           </a:xfrm>
           <a:prstGeom prst="rect">
@@ -3873,8 +4128,8 @@
         </p:blipFill>
         <p:spPr bwMode="auto">
           <a:xfrm>
-            <a:off x="6444208" y="130630"/>
-            <a:ext cx="2237664" cy="2237664"/>
+            <a:off x="2588641" y="1096800"/>
+            <a:ext cx="1911351" cy="1911351"/>
           </a:xfrm>
           <a:prstGeom prst="rect">
             <a:avLst/>
@@ -4004,8 +4259,8 @@
         </p:nvSpPr>
         <p:spPr>
           <a:xfrm>
-            <a:off x="107504" y="3704869"/>
-            <a:ext cx="6438553" cy="1015663"/>
+            <a:off x="-8533" y="3739503"/>
+            <a:ext cx="5948686" cy="1015663"/>
           </a:xfrm>
           <a:prstGeom prst="rect">
             <a:avLst/>
@@ -4060,14 +4315,14 @@
       </p:sp>
       <p:pic>
         <p:nvPicPr>
-          <p:cNvPr id="2" name="Imagen 1"/>
+          <p:cNvPr id="7" name="Imagen 6"/>
           <p:cNvPicPr>
             <a:picLocks noChangeAspect="1"/>
           </p:cNvPicPr>
           <p:nvPr/>
         </p:nvPicPr>
         <p:blipFill>
-          <a:blip r:embed="rId6" cstate="print">
+          <a:blip r:embed="rId6">
             <a:extLst>
               <a:ext uri="{28A0092B-C50C-407E-A947-70E740481C1C}">
                 <a14:useLocalDpi xmlns:a14="http://schemas.microsoft.com/office/drawing/2010/main" val="0"/>
@@ -4080,8 +4335,8 @@
         </p:blipFill>
         <p:spPr>
           <a:xfrm>
-            <a:off x="6626319" y="2823342"/>
-            <a:ext cx="2478536" cy="2778719"/>
+            <a:off x="6117369" y="808309"/>
+            <a:ext cx="3026631" cy="4995381"/>
           </a:xfrm>
           <a:prstGeom prst="rect">
             <a:avLst/>
@@ -4146,7 +4401,7 @@
         <p:spPr>
           <a:xfrm>
             <a:off x="0" y="-1"/>
-            <a:ext cx="9144000" cy="3307099"/>
+            <a:ext cx="9144000" cy="2564905"/>
           </a:xfrm>
           <a:prstGeom prst="flowChartDocument">
             <a:avLst/>
@@ -4229,6 +4484,125 @@
           </a:p>
         </p:txBody>
       </p:sp>
+      <p:sp>
+        <p:nvSpPr>
+          <p:cNvPr id="5" name="9 CuadroTexto"/>
+          <p:cNvSpPr txBox="1"/>
+          <p:nvPr/>
+        </p:nvSpPr>
+        <p:spPr>
+          <a:xfrm>
+            <a:off x="654344" y="116632"/>
+            <a:ext cx="7848872" cy="1862048"/>
+          </a:xfrm>
+          <a:prstGeom prst="rect">
+            <a:avLst/>
+          </a:prstGeom>
+          <a:noFill/>
+        </p:spPr>
+        <p:txBody>
+          <a:bodyPr wrap="square" rtlCol="0">
+            <a:spAutoFit/>
+            <a:scene3d>
+              <a:camera prst="orthographicFront"/>
+              <a:lightRig rig="soft" dir="tl">
+                <a:rot lat="0" lon="0" rev="0"/>
+              </a:lightRig>
+            </a:scene3d>
+            <a:sp3d contourW="25400" prstMaterial="matte">
+              <a:bevelT w="25400" h="55880" prst="artDeco"/>
+              <a:contourClr>
+                <a:schemeClr val="accent2">
+                  <a:tint val="20000"/>
+                </a:schemeClr>
+              </a:contourClr>
+            </a:sp3d>
+          </a:bodyPr>
+          <a:lstStyle/>
+          <a:p>
+            <a:r>
+              <a:rPr lang="es-ES" sz="11500" b="1" spc="50" dirty="0" smtClean="0">
+                <a:ln w="11430"/>
+                <a:solidFill>
+                  <a:srgbClr val="002060"/>
+                </a:solidFill>
+                <a:effectLst>
+                  <a:outerShdw blurRad="76200" dist="50800" dir="5400000" algn="tl" rotWithShape="0">
+                    <a:srgbClr val="000000">
+                      <a:alpha val="65000"/>
+                    </a:srgbClr>
+                  </a:outerShdw>
+                </a:effectLst>
+                <a:latin typeface="Berlin Sans FB" pitchFamily="34" charset="0"/>
+                <a:cs typeface="Arial" pitchFamily="34" charset="0"/>
+              </a:rPr>
+              <a:t>MODULOS</a:t>
+            </a:r>
+            <a:r>
+              <a:rPr lang="es-ES" sz="11500" b="1" spc="50" dirty="0" smtClean="0">
+                <a:ln w="11430"/>
+                <a:solidFill>
+                  <a:srgbClr val="002060"/>
+                </a:solidFill>
+                <a:effectLst>
+                  <a:outerShdw blurRad="76200" dist="50800" dir="5400000" algn="tl" rotWithShape="0">
+                    <a:srgbClr val="000000">
+                      <a:alpha val="65000"/>
+                    </a:srgbClr>
+                  </a:outerShdw>
+                </a:effectLst>
+                <a:latin typeface="Berlin Sans FB" pitchFamily="34" charset="0"/>
+                <a:cs typeface="Arial" pitchFamily="34" charset="0"/>
+              </a:rPr>
+              <a:t> </a:t>
+            </a:r>
+            <a:endParaRPr lang="es-ES" sz="11500" b="1" spc="50" dirty="0" smtClean="0">
+              <a:ln w="11430"/>
+              <a:solidFill>
+                <a:srgbClr val="002060"/>
+              </a:solidFill>
+              <a:effectLst>
+                <a:outerShdw blurRad="76200" dist="50800" dir="5400000" algn="tl" rotWithShape="0">
+                  <a:srgbClr val="000000">
+                    <a:alpha val="65000"/>
+                  </a:srgbClr>
+                </a:outerShdw>
+              </a:effectLst>
+              <a:latin typeface="Berlin Sans FB" pitchFamily="34" charset="0"/>
+              <a:cs typeface="Arial" pitchFamily="34" charset="0"/>
+            </a:endParaRPr>
+          </a:p>
+        </p:txBody>
+      </p:sp>
+      <p:pic>
+        <p:nvPicPr>
+          <p:cNvPr id="7" name="Imagen 6"/>
+          <p:cNvPicPr>
+            <a:picLocks noChangeAspect="1"/>
+          </p:cNvPicPr>
+          <p:nvPr/>
+        </p:nvPicPr>
+        <p:blipFill rotWithShape="1">
+          <a:blip r:embed="rId3">
+            <a:extLst>
+              <a:ext uri="{28A0092B-C50C-407E-A947-70E740481C1C}">
+                <a14:useLocalDpi xmlns:a14="http://schemas.microsoft.com/office/drawing/2010/main" val="0"/>
+              </a:ext>
+            </a:extLst>
+          </a:blip>
+          <a:srcRect t="4861" b="80724"/>
+          <a:stretch/>
+        </p:blipFill>
+        <p:spPr>
+          <a:xfrm>
+            <a:off x="35496" y="2852936"/>
+            <a:ext cx="9079893" cy="2160240"/>
+          </a:xfrm>
+          <a:prstGeom prst="rect">
+            <a:avLst/>
+          </a:prstGeom>
+        </p:spPr>
+      </p:pic>
     </p:spTree>
     <p:extLst>
       <p:ext uri="{BB962C8B-B14F-4D97-AF65-F5344CB8AC3E}">
@@ -4246,6 +4620,476 @@
       </p:transition>
     </mc:Choice>
     <mc:Fallback xmlns="">
+      <p:transition spd="slow">
+        <p:fade/>
+      </p:transition>
+    </mc:Fallback>
+  </mc:AlternateContent>
+  <p:timing>
+    <p:tnLst>
+      <p:par>
+        <p:cTn id="1" dur="indefinite" restart="never" nodeType="tmRoot"/>
+      </p:par>
+    </p:tnLst>
+  </p:timing>
+</p:sld>
+</file>
+
+<file path=ppt/slides/slide3.xml><?xml version="1.0" encoding="utf-8"?>
+<p:sld xmlns:a="http://schemas.openxmlformats.org/drawingml/2006/main" xmlns:r="http://schemas.openxmlformats.org/officeDocument/2006/relationships" xmlns:p="http://schemas.openxmlformats.org/presentationml/2006/main">
+  <p:cSld>
+    <p:spTree>
+      <p:nvGrpSpPr>
+        <p:cNvPr id="1" name=""/>
+        <p:cNvGrpSpPr/>
+        <p:nvPr/>
+      </p:nvGrpSpPr>
+      <p:grpSpPr>
+        <a:xfrm>
+          <a:off x="0" y="0"/>
+          <a:ext cx="0" cy="0"/>
+          <a:chOff x="0" y="0"/>
+          <a:chExt cx="0" cy="0"/>
+        </a:xfrm>
+      </p:grpSpPr>
+      <p:sp>
+        <p:nvSpPr>
+          <p:cNvPr id="4" name="3 Documento"/>
+          <p:cNvSpPr/>
+          <p:nvPr/>
+        </p:nvSpPr>
+        <p:spPr>
+          <a:xfrm>
+            <a:off x="0" y="-1"/>
+            <a:ext cx="9144000" cy="2564905"/>
+          </a:xfrm>
+          <a:prstGeom prst="flowChartDocument">
+            <a:avLst/>
+          </a:prstGeom>
+          <a:solidFill>
+            <a:srgbClr val="FFC000"/>
+          </a:solidFill>
+          <a:ln w="57150">
+            <a:solidFill>
+              <a:srgbClr val="002060"/>
+            </a:solidFill>
+          </a:ln>
+        </p:spPr>
+        <p:style>
+          <a:lnRef idx="1">
+            <a:schemeClr val="accent5"/>
+          </a:lnRef>
+          <a:fillRef idx="3">
+            <a:schemeClr val="accent5"/>
+          </a:fillRef>
+          <a:effectRef idx="2">
+            <a:schemeClr val="accent5"/>
+          </a:effectRef>
+          <a:fontRef idx="minor">
+            <a:schemeClr val="lt1"/>
+          </a:fontRef>
+        </p:style>
+        <p:txBody>
+          <a:bodyPr rtlCol="0" anchor="ctr"/>
+          <a:lstStyle/>
+          <a:p>
+            <a:pPr algn="ctr"/>
+            <a:endParaRPr lang="es-ES"/>
+          </a:p>
+        </p:txBody>
+      </p:sp>
+      <p:sp>
+        <p:nvSpPr>
+          <p:cNvPr id="6" name="5 Redondear rectángulo de esquina del mismo lado"/>
+          <p:cNvSpPr/>
+          <p:nvPr/>
+        </p:nvSpPr>
+        <p:spPr>
+          <a:xfrm>
+            <a:off x="6780" y="5805264"/>
+            <a:ext cx="9144000" cy="1052736"/>
+          </a:xfrm>
+          <a:prstGeom prst="round2SameRect">
+            <a:avLst/>
+          </a:prstGeom>
+          <a:solidFill>
+            <a:srgbClr val="FFC000"/>
+          </a:solidFill>
+          <a:ln w="57150">
+            <a:solidFill>
+              <a:srgbClr val="002060"/>
+            </a:solidFill>
+          </a:ln>
+        </p:spPr>
+        <p:style>
+          <a:lnRef idx="0">
+            <a:schemeClr val="accent5"/>
+          </a:lnRef>
+          <a:fillRef idx="3">
+            <a:schemeClr val="accent5"/>
+          </a:fillRef>
+          <a:effectRef idx="3">
+            <a:schemeClr val="accent5"/>
+          </a:effectRef>
+          <a:fontRef idx="minor">
+            <a:schemeClr val="lt1"/>
+          </a:fontRef>
+        </p:style>
+        <p:txBody>
+          <a:bodyPr rtlCol="0" anchor="ctr"/>
+          <a:lstStyle/>
+          <a:p>
+            <a:pPr algn="ctr"/>
+            <a:endParaRPr lang="es-ES" dirty="0"/>
+          </a:p>
+        </p:txBody>
+      </p:sp>
+    </p:spTree>
+    <p:extLst>
+      <p:ext uri="{BB962C8B-B14F-4D97-AF65-F5344CB8AC3E}">
+        <p14:creationId xmlns:p14="http://schemas.microsoft.com/office/powerpoint/2010/main" val="408911075"/>
+      </p:ext>
+    </p:extLst>
+  </p:cSld>
+  <p:clrMapOvr>
+    <a:masterClrMapping/>
+  </p:clrMapOvr>
+  <mc:AlternateContent xmlns:mc="http://schemas.openxmlformats.org/markup-compatibility/2006">
+    <mc:Choice xmlns:p14="http://schemas.microsoft.com/office/powerpoint/2010/main" Requires="p14">
+      <p:transition spd="slow" p14:dur="2000">
+        <p14:prism isContent="1"/>
+      </p:transition>
+    </mc:Choice>
+    <mc:Fallback>
+      <p:transition spd="slow">
+        <p:fade/>
+      </p:transition>
+    </mc:Fallback>
+  </mc:AlternateContent>
+  <p:timing>
+    <p:tnLst>
+      <p:par>
+        <p:cTn id="1" dur="indefinite" restart="never" nodeType="tmRoot"/>
+      </p:par>
+    </p:tnLst>
+  </p:timing>
+</p:sld>
+</file>
+
+<file path=ppt/slides/slide4.xml><?xml version="1.0" encoding="utf-8"?>
+<p:sld xmlns:a="http://schemas.openxmlformats.org/drawingml/2006/main" xmlns:r="http://schemas.openxmlformats.org/officeDocument/2006/relationships" xmlns:p="http://schemas.openxmlformats.org/presentationml/2006/main">
+  <p:cSld>
+    <p:spTree>
+      <p:nvGrpSpPr>
+        <p:cNvPr id="1" name=""/>
+        <p:cNvGrpSpPr/>
+        <p:nvPr/>
+      </p:nvGrpSpPr>
+      <p:grpSpPr>
+        <a:xfrm>
+          <a:off x="0" y="0"/>
+          <a:ext cx="0" cy="0"/>
+          <a:chOff x="0" y="0"/>
+          <a:chExt cx="0" cy="0"/>
+        </a:xfrm>
+      </p:grpSpPr>
+      <p:sp>
+        <p:nvSpPr>
+          <p:cNvPr id="4" name="3 Documento"/>
+          <p:cNvSpPr/>
+          <p:nvPr/>
+        </p:nvSpPr>
+        <p:spPr>
+          <a:xfrm>
+            <a:off x="0" y="-1"/>
+            <a:ext cx="9144000" cy="2564905"/>
+          </a:xfrm>
+          <a:prstGeom prst="flowChartDocument">
+            <a:avLst/>
+          </a:prstGeom>
+          <a:solidFill>
+            <a:srgbClr val="FFC000"/>
+          </a:solidFill>
+          <a:ln w="57150">
+            <a:solidFill>
+              <a:srgbClr val="002060"/>
+            </a:solidFill>
+          </a:ln>
+        </p:spPr>
+        <p:style>
+          <a:lnRef idx="1">
+            <a:schemeClr val="accent5"/>
+          </a:lnRef>
+          <a:fillRef idx="3">
+            <a:schemeClr val="accent5"/>
+          </a:fillRef>
+          <a:effectRef idx="2">
+            <a:schemeClr val="accent5"/>
+          </a:effectRef>
+          <a:fontRef idx="minor">
+            <a:schemeClr val="lt1"/>
+          </a:fontRef>
+        </p:style>
+        <p:txBody>
+          <a:bodyPr rtlCol="0" anchor="ctr"/>
+          <a:lstStyle/>
+          <a:p>
+            <a:pPr algn="ctr"/>
+            <a:endParaRPr lang="es-ES"/>
+          </a:p>
+        </p:txBody>
+      </p:sp>
+      <p:sp>
+        <p:nvSpPr>
+          <p:cNvPr id="6" name="5 Redondear rectángulo de esquina del mismo lado"/>
+          <p:cNvSpPr/>
+          <p:nvPr/>
+        </p:nvSpPr>
+        <p:spPr>
+          <a:xfrm>
+            <a:off x="6780" y="5805264"/>
+            <a:ext cx="9144000" cy="1052736"/>
+          </a:xfrm>
+          <a:prstGeom prst="round2SameRect">
+            <a:avLst/>
+          </a:prstGeom>
+          <a:solidFill>
+            <a:srgbClr val="FFC000"/>
+          </a:solidFill>
+          <a:ln w="57150">
+            <a:solidFill>
+              <a:srgbClr val="002060"/>
+            </a:solidFill>
+          </a:ln>
+        </p:spPr>
+        <p:style>
+          <a:lnRef idx="0">
+            <a:schemeClr val="accent5"/>
+          </a:lnRef>
+          <a:fillRef idx="3">
+            <a:schemeClr val="accent5"/>
+          </a:fillRef>
+          <a:effectRef idx="3">
+            <a:schemeClr val="accent5"/>
+          </a:effectRef>
+          <a:fontRef idx="minor">
+            <a:schemeClr val="lt1"/>
+          </a:fontRef>
+        </p:style>
+        <p:txBody>
+          <a:bodyPr rtlCol="0" anchor="ctr"/>
+          <a:lstStyle/>
+          <a:p>
+            <a:pPr algn="ctr"/>
+            <a:endParaRPr lang="es-ES" dirty="0"/>
+          </a:p>
+        </p:txBody>
+      </p:sp>
+    </p:spTree>
+    <p:extLst>
+      <p:ext uri="{BB962C8B-B14F-4D97-AF65-F5344CB8AC3E}">
+        <p14:creationId xmlns:p14="http://schemas.microsoft.com/office/powerpoint/2010/main" val="128906418"/>
+      </p:ext>
+    </p:extLst>
+  </p:cSld>
+  <p:clrMapOvr>
+    <a:masterClrMapping/>
+  </p:clrMapOvr>
+  <mc:AlternateContent xmlns:mc="http://schemas.openxmlformats.org/markup-compatibility/2006">
+    <mc:Choice xmlns:p14="http://schemas.microsoft.com/office/powerpoint/2010/main" Requires="p14">
+      <p:transition spd="slow" p14:dur="2000">
+        <p14:prism isContent="1"/>
+      </p:transition>
+    </mc:Choice>
+    <mc:Fallback>
+      <p:transition spd="slow">
+        <p:fade/>
+      </p:transition>
+    </mc:Fallback>
+  </mc:AlternateContent>
+  <p:timing>
+    <p:tnLst>
+      <p:par>
+        <p:cTn id="1" dur="indefinite" restart="never" nodeType="tmRoot"/>
+      </p:par>
+    </p:tnLst>
+  </p:timing>
+</p:sld>
+</file>
+
+<file path=ppt/slides/slide5.xml><?xml version="1.0" encoding="utf-8"?>
+<p:sld xmlns:a="http://schemas.openxmlformats.org/drawingml/2006/main" xmlns:r="http://schemas.openxmlformats.org/officeDocument/2006/relationships" xmlns:p="http://schemas.openxmlformats.org/presentationml/2006/main">
+  <p:cSld>
+    <p:spTree>
+      <p:nvGrpSpPr>
+        <p:cNvPr id="1" name=""/>
+        <p:cNvGrpSpPr/>
+        <p:nvPr/>
+      </p:nvGrpSpPr>
+      <p:grpSpPr>
+        <a:xfrm>
+          <a:off x="0" y="0"/>
+          <a:ext cx="0" cy="0"/>
+          <a:chOff x="0" y="0"/>
+          <a:chExt cx="0" cy="0"/>
+        </a:xfrm>
+      </p:grpSpPr>
+      <p:sp>
+        <p:nvSpPr>
+          <p:cNvPr id="4" name="3 Documento"/>
+          <p:cNvSpPr/>
+          <p:nvPr/>
+        </p:nvSpPr>
+        <p:spPr>
+          <a:xfrm>
+            <a:off x="0" y="-1"/>
+            <a:ext cx="9144000" cy="2564905"/>
+          </a:xfrm>
+          <a:prstGeom prst="flowChartDocument">
+            <a:avLst/>
+          </a:prstGeom>
+          <a:solidFill>
+            <a:srgbClr val="FFC000"/>
+          </a:solidFill>
+          <a:ln w="57150">
+            <a:solidFill>
+              <a:srgbClr val="002060"/>
+            </a:solidFill>
+          </a:ln>
+        </p:spPr>
+        <p:style>
+          <a:lnRef idx="1">
+            <a:schemeClr val="accent5"/>
+          </a:lnRef>
+          <a:fillRef idx="3">
+            <a:schemeClr val="accent5"/>
+          </a:fillRef>
+          <a:effectRef idx="2">
+            <a:schemeClr val="accent5"/>
+          </a:effectRef>
+          <a:fontRef idx="minor">
+            <a:schemeClr val="lt1"/>
+          </a:fontRef>
+        </p:style>
+        <p:txBody>
+          <a:bodyPr rtlCol="0" anchor="ctr"/>
+          <a:lstStyle/>
+          <a:p>
+            <a:pPr algn="ctr"/>
+            <a:endParaRPr lang="es-ES"/>
+          </a:p>
+        </p:txBody>
+      </p:sp>
+      <p:sp>
+        <p:nvSpPr>
+          <p:cNvPr id="6" name="5 Redondear rectángulo de esquina del mismo lado"/>
+          <p:cNvSpPr/>
+          <p:nvPr/>
+        </p:nvSpPr>
+        <p:spPr>
+          <a:xfrm>
+            <a:off x="6780" y="5805264"/>
+            <a:ext cx="9144000" cy="1052736"/>
+          </a:xfrm>
+          <a:prstGeom prst="round2SameRect">
+            <a:avLst/>
+          </a:prstGeom>
+          <a:solidFill>
+            <a:srgbClr val="FFC000"/>
+          </a:solidFill>
+          <a:ln w="57150">
+            <a:solidFill>
+              <a:srgbClr val="002060"/>
+            </a:solidFill>
+          </a:ln>
+        </p:spPr>
+        <p:style>
+          <a:lnRef idx="0">
+            <a:schemeClr val="accent5"/>
+          </a:lnRef>
+          <a:fillRef idx="3">
+            <a:schemeClr val="accent5"/>
+          </a:fillRef>
+          <a:effectRef idx="3">
+            <a:schemeClr val="accent5"/>
+          </a:effectRef>
+          <a:fontRef idx="minor">
+            <a:schemeClr val="lt1"/>
+          </a:fontRef>
+        </p:style>
+        <p:txBody>
+          <a:bodyPr rtlCol="0" anchor="ctr"/>
+          <a:lstStyle/>
+          <a:p>
+            <a:pPr algn="ctr"/>
+            <a:endParaRPr lang="es-ES" dirty="0"/>
+          </a:p>
+        </p:txBody>
+      </p:sp>
+      <p:sp>
+        <p:nvSpPr>
+          <p:cNvPr id="2" name="Rectángulo 1"/>
+          <p:cNvSpPr/>
+          <p:nvPr/>
+        </p:nvSpPr>
+        <p:spPr>
+          <a:xfrm>
+            <a:off x="2051720" y="2780928"/>
+            <a:ext cx="4572000" cy="2308324"/>
+          </a:xfrm>
+          <a:prstGeom prst="rect">
+            <a:avLst/>
+          </a:prstGeom>
+        </p:spPr>
+        <p:txBody>
+          <a:bodyPr>
+            <a:spAutoFit/>
+          </a:bodyPr>
+          <a:lstStyle/>
+          <a:p>
+            <a:pPr algn="just">
+              <a:spcAft>
+                <a:spcPts val="0"/>
+              </a:spcAft>
+            </a:pPr>
+            <a:r>
+              <a:rPr lang="es-ES" dirty="0">
+                <a:solidFill>
+                  <a:srgbClr val="000000"/>
+                </a:solidFill>
+                <a:latin typeface="Times New Roman" panose="02020603050405020304" pitchFamily="18" charset="0"/>
+                <a:ea typeface="Times New Roman" panose="02020603050405020304" pitchFamily="18" charset="0"/>
+              </a:rPr>
+              <a:t>La aplicación tiene como fin guiar al usuario durante todo el proceso de preparación de un plato de comida. Optimizar el tiempo y recursos de los usuarios, sean estos expertos o principiantes en la preparación de alimentos. Dando recomendaciones de platos que puedan preparar con los ingredientes que tienen en sus hogares.</a:t>
+            </a:r>
+            <a:endParaRPr lang="es-ES" dirty="0">
+              <a:solidFill>
+                <a:srgbClr val="000000"/>
+              </a:solidFill>
+              <a:effectLst/>
+              <a:latin typeface="Times New Roman" panose="02020603050405020304" pitchFamily="18" charset="0"/>
+              <a:ea typeface="Times New Roman" panose="02020603050405020304" pitchFamily="18" charset="0"/>
+            </a:endParaRPr>
+          </a:p>
+        </p:txBody>
+      </p:sp>
+    </p:spTree>
+    <p:extLst>
+      <p:ext uri="{BB962C8B-B14F-4D97-AF65-F5344CB8AC3E}">
+        <p14:creationId xmlns:p14="http://schemas.microsoft.com/office/powerpoint/2010/main" val="814514337"/>
+      </p:ext>
+    </p:extLst>
+  </p:cSld>
+  <p:clrMapOvr>
+    <a:masterClrMapping/>
+  </p:clrMapOvr>
+  <mc:AlternateContent xmlns:mc="http://schemas.openxmlformats.org/markup-compatibility/2006">
+    <mc:Choice xmlns:p14="http://schemas.microsoft.com/office/powerpoint/2010/main" Requires="p14">
+      <p:transition spd="slow" p14:dur="2000">
+        <p14:prism isContent="1"/>
+      </p:transition>
+    </mc:Choice>
+    <mc:Fallback>
       <p:transition spd="slow">
         <p:fade/>
       </p:transition>

--- a/DOCUMENTACIÓN/APPRECETA.pptx
+++ b/DOCUMENTACIÓN/APPRECETA.pptx
@@ -5,14 +5,16 @@
     <p:sldMasterId id="2147483648" r:id="rId1"/>
   </p:sldMasterIdLst>
   <p:notesMasterIdLst>
-    <p:notesMasterId r:id="rId7"/>
+    <p:notesMasterId r:id="rId9"/>
   </p:notesMasterIdLst>
   <p:sldIdLst>
     <p:sldId id="257" r:id="rId2"/>
     <p:sldId id="316" r:id="rId3"/>
     <p:sldId id="317" r:id="rId4"/>
-    <p:sldId id="318" r:id="rId5"/>
-    <p:sldId id="319" r:id="rId6"/>
+    <p:sldId id="320" r:id="rId5"/>
+    <p:sldId id="321" r:id="rId6"/>
+    <p:sldId id="322" r:id="rId7"/>
+    <p:sldId id="319" r:id="rId8"/>
   </p:sldIdLst>
   <p:sldSz cx="9144000" cy="6858000" type="screen4x3"/>
   <p:notesSz cx="6858000" cy="9144000"/>
@@ -806,7 +808,7 @@
     </p:spTree>
     <p:extLst>
       <p:ext uri="{BB962C8B-B14F-4D97-AF65-F5344CB8AC3E}">
-        <p14:creationId xmlns:p14="http://schemas.microsoft.com/office/powerpoint/2010/main" val="1424306521"/>
+        <p14:creationId xmlns:p14="http://schemas.microsoft.com/office/powerpoint/2010/main" val="2537355340"/>
       </p:ext>
     </p:extLst>
   </p:cSld>
@@ -882,6 +884,174 @@
             <a:fld id="{C2CF6B83-6809-4C27-9582-A8BAFAA2DE23}" type="slidenum">
               <a:rPr lang="es-ES" smtClean="0"/>
               <a:t>5</a:t>
+            </a:fld>
+            <a:endParaRPr lang="es-ES"/>
+          </a:p>
+        </p:txBody>
+      </p:sp>
+    </p:spTree>
+    <p:extLst>
+      <p:ext uri="{BB962C8B-B14F-4D97-AF65-F5344CB8AC3E}">
+        <p14:creationId xmlns:p14="http://schemas.microsoft.com/office/powerpoint/2010/main" val="2033130218"/>
+      </p:ext>
+    </p:extLst>
+  </p:cSld>
+  <p:clrMapOvr>
+    <a:masterClrMapping/>
+  </p:clrMapOvr>
+</p:notes>
+</file>
+
+<file path=ppt/notesSlides/notesSlide6.xml><?xml version="1.0" encoding="utf-8"?>
+<p:notes xmlns:a="http://schemas.openxmlformats.org/drawingml/2006/main" xmlns:r="http://schemas.openxmlformats.org/officeDocument/2006/relationships" xmlns:p="http://schemas.openxmlformats.org/presentationml/2006/main">
+  <p:cSld>
+    <p:spTree>
+      <p:nvGrpSpPr>
+        <p:cNvPr id="1" name=""/>
+        <p:cNvGrpSpPr/>
+        <p:nvPr/>
+      </p:nvGrpSpPr>
+      <p:grpSpPr>
+        <a:xfrm>
+          <a:off x="0" y="0"/>
+          <a:ext cx="0" cy="0"/>
+          <a:chOff x="0" y="0"/>
+          <a:chExt cx="0" cy="0"/>
+        </a:xfrm>
+      </p:grpSpPr>
+      <p:sp>
+        <p:nvSpPr>
+          <p:cNvPr id="2" name="Marcador de imagen de diapositiva 1"/>
+          <p:cNvSpPr>
+            <a:spLocks noGrp="1" noRot="1" noChangeAspect="1"/>
+          </p:cNvSpPr>
+          <p:nvPr>
+            <p:ph type="sldImg"/>
+          </p:nvPr>
+        </p:nvSpPr>
+        <p:spPr/>
+      </p:sp>
+      <p:sp>
+        <p:nvSpPr>
+          <p:cNvPr id="3" name="Marcador de notas 2"/>
+          <p:cNvSpPr>
+            <a:spLocks noGrp="1"/>
+          </p:cNvSpPr>
+          <p:nvPr>
+            <p:ph type="body" idx="1"/>
+          </p:nvPr>
+        </p:nvSpPr>
+        <p:spPr/>
+        <p:txBody>
+          <a:bodyPr/>
+          <a:lstStyle/>
+          <a:p>
+            <a:endParaRPr lang="es-ES" dirty="0"/>
+          </a:p>
+        </p:txBody>
+      </p:sp>
+      <p:sp>
+        <p:nvSpPr>
+          <p:cNvPr id="4" name="Marcador de número de diapositiva 3"/>
+          <p:cNvSpPr>
+            <a:spLocks noGrp="1"/>
+          </p:cNvSpPr>
+          <p:nvPr>
+            <p:ph type="sldNum" sz="quarter" idx="10"/>
+          </p:nvPr>
+        </p:nvSpPr>
+        <p:spPr/>
+        <p:txBody>
+          <a:bodyPr/>
+          <a:lstStyle/>
+          <a:p>
+            <a:fld id="{C2CF6B83-6809-4C27-9582-A8BAFAA2DE23}" type="slidenum">
+              <a:rPr lang="es-ES" smtClean="0"/>
+              <a:t>6</a:t>
+            </a:fld>
+            <a:endParaRPr lang="es-ES"/>
+          </a:p>
+        </p:txBody>
+      </p:sp>
+    </p:spTree>
+    <p:extLst>
+      <p:ext uri="{BB962C8B-B14F-4D97-AF65-F5344CB8AC3E}">
+        <p14:creationId xmlns:p14="http://schemas.microsoft.com/office/powerpoint/2010/main" val="2191040640"/>
+      </p:ext>
+    </p:extLst>
+  </p:cSld>
+  <p:clrMapOvr>
+    <a:masterClrMapping/>
+  </p:clrMapOvr>
+</p:notes>
+</file>
+
+<file path=ppt/notesSlides/notesSlide7.xml><?xml version="1.0" encoding="utf-8"?>
+<p:notes xmlns:a="http://schemas.openxmlformats.org/drawingml/2006/main" xmlns:r="http://schemas.openxmlformats.org/officeDocument/2006/relationships" xmlns:p="http://schemas.openxmlformats.org/presentationml/2006/main">
+  <p:cSld>
+    <p:spTree>
+      <p:nvGrpSpPr>
+        <p:cNvPr id="1" name=""/>
+        <p:cNvGrpSpPr/>
+        <p:nvPr/>
+      </p:nvGrpSpPr>
+      <p:grpSpPr>
+        <a:xfrm>
+          <a:off x="0" y="0"/>
+          <a:ext cx="0" cy="0"/>
+          <a:chOff x="0" y="0"/>
+          <a:chExt cx="0" cy="0"/>
+        </a:xfrm>
+      </p:grpSpPr>
+      <p:sp>
+        <p:nvSpPr>
+          <p:cNvPr id="2" name="Marcador de imagen de diapositiva 1"/>
+          <p:cNvSpPr>
+            <a:spLocks noGrp="1" noRot="1" noChangeAspect="1"/>
+          </p:cNvSpPr>
+          <p:nvPr>
+            <p:ph type="sldImg"/>
+          </p:nvPr>
+        </p:nvSpPr>
+        <p:spPr/>
+      </p:sp>
+      <p:sp>
+        <p:nvSpPr>
+          <p:cNvPr id="3" name="Marcador de notas 2"/>
+          <p:cNvSpPr>
+            <a:spLocks noGrp="1"/>
+          </p:cNvSpPr>
+          <p:nvPr>
+            <p:ph type="body" idx="1"/>
+          </p:nvPr>
+        </p:nvSpPr>
+        <p:spPr/>
+        <p:txBody>
+          <a:bodyPr/>
+          <a:lstStyle/>
+          <a:p>
+            <a:endParaRPr lang="es-ES" dirty="0"/>
+          </a:p>
+        </p:txBody>
+      </p:sp>
+      <p:sp>
+        <p:nvSpPr>
+          <p:cNvPr id="4" name="Marcador de número de diapositiva 3"/>
+          <p:cNvSpPr>
+            <a:spLocks noGrp="1"/>
+          </p:cNvSpPr>
+          <p:nvPr>
+            <p:ph type="sldNum" sz="quarter" idx="10"/>
+          </p:nvPr>
+        </p:nvSpPr>
+        <p:spPr/>
+        <p:txBody>
+          <a:bodyPr/>
+          <a:lstStyle/>
+          <a:p>
+            <a:fld id="{C2CF6B83-6809-4C27-9582-A8BAFAA2DE23}" type="slidenum">
+              <a:rPr lang="es-ES" smtClean="0"/>
+              <a:t>7</a:t>
             </a:fld>
             <a:endParaRPr lang="es-ES"/>
           </a:p>
@@ -4020,7 +4190,7 @@
         </p:blipFill>
         <p:spPr bwMode="auto">
           <a:xfrm>
-            <a:off x="496524" y="664395"/>
+            <a:off x="-74795" y="636641"/>
             <a:ext cx="2092117" cy="2958325"/>
           </a:xfrm>
           <a:prstGeom prst="rect">
@@ -4128,7 +4298,7 @@
         </p:blipFill>
         <p:spPr bwMode="auto">
           <a:xfrm>
-            <a:off x="2588641" y="1096800"/>
+            <a:off x="1850019" y="1096800"/>
             <a:ext cx="1911351" cy="1911351"/>
           </a:xfrm>
           <a:prstGeom prst="rect">
@@ -4337,6 +4507,36 @@
           <a:xfrm>
             <a:off x="6117369" y="808309"/>
             <a:ext cx="3026631" cy="4995381"/>
+          </a:xfrm>
+          <a:prstGeom prst="rect">
+            <a:avLst/>
+          </a:prstGeom>
+        </p:spPr>
+      </p:pic>
+      <p:pic>
+        <p:nvPicPr>
+          <p:cNvPr id="8" name="Imagen 7"/>
+          <p:cNvPicPr>
+            <a:picLocks noChangeAspect="1"/>
+          </p:cNvPicPr>
+          <p:nvPr/>
+        </p:nvPicPr>
+        <p:blipFill>
+          <a:blip r:embed="rId7">
+            <a:extLst>
+              <a:ext uri="{28A0092B-C50C-407E-A947-70E740481C1C}">
+                <a14:useLocalDpi xmlns:a14="http://schemas.microsoft.com/office/drawing/2010/main" val="0"/>
+              </a:ext>
+            </a:extLst>
+          </a:blip>
+          <a:stretch>
+            <a:fillRect/>
+          </a:stretch>
+        </p:blipFill>
+        <p:spPr>
+          <a:xfrm>
+            <a:off x="3938586" y="1241337"/>
+            <a:ext cx="1616933" cy="1616933"/>
           </a:xfrm>
           <a:prstGeom prst="rect">
             <a:avLst/>
@@ -4661,7 +4861,7 @@
         <p:spPr>
           <a:xfrm>
             <a:off x="0" y="-1"/>
-            <a:ext cx="9144000" cy="2564905"/>
+            <a:ext cx="4355976" cy="2564905"/>
           </a:xfrm>
           <a:prstGeom prst="flowChartDocument">
             <a:avLst/>
@@ -4741,6 +4941,247 @@
           <a:p>
             <a:pPr algn="ctr"/>
             <a:endParaRPr lang="es-ES" dirty="0"/>
+          </a:p>
+        </p:txBody>
+      </p:sp>
+      <p:sp>
+        <p:nvSpPr>
+          <p:cNvPr id="5" name="9 CuadroTexto"/>
+          <p:cNvSpPr txBox="1"/>
+          <p:nvPr/>
+        </p:nvSpPr>
+        <p:spPr>
+          <a:xfrm>
+            <a:off x="68342" y="-3247"/>
+            <a:ext cx="7848872" cy="2539157"/>
+          </a:xfrm>
+          <a:prstGeom prst="rect">
+            <a:avLst/>
+          </a:prstGeom>
+          <a:noFill/>
+        </p:spPr>
+        <p:txBody>
+          <a:bodyPr wrap="square" rtlCol="0">
+            <a:spAutoFit/>
+            <a:scene3d>
+              <a:camera prst="orthographicFront"/>
+              <a:lightRig rig="soft" dir="tl">
+                <a:rot lat="0" lon="0" rev="0"/>
+              </a:lightRig>
+            </a:scene3d>
+            <a:sp3d contourW="25400" prstMaterial="matte">
+              <a:bevelT w="25400" h="55880" prst="artDeco"/>
+              <a:contourClr>
+                <a:schemeClr val="accent2">
+                  <a:tint val="20000"/>
+                </a:schemeClr>
+              </a:contourClr>
+            </a:sp3d>
+          </a:bodyPr>
+          <a:lstStyle/>
+          <a:p>
+            <a:r>
+              <a:rPr lang="es-ES" sz="4400" b="1" spc="50" dirty="0" smtClean="0">
+                <a:ln w="11430"/>
+                <a:solidFill>
+                  <a:srgbClr val="002060"/>
+                </a:solidFill>
+                <a:effectLst>
+                  <a:outerShdw blurRad="76200" dist="50800" dir="5400000" algn="tl" rotWithShape="0">
+                    <a:srgbClr val="000000">
+                      <a:alpha val="65000"/>
+                    </a:srgbClr>
+                  </a:outerShdw>
+                </a:effectLst>
+                <a:latin typeface="Berlin Sans FB" pitchFamily="34" charset="0"/>
+                <a:cs typeface="Arial" pitchFamily="34" charset="0"/>
+              </a:rPr>
+              <a:t>MODULO </a:t>
+            </a:r>
+          </a:p>
+          <a:p>
+            <a:r>
+              <a:rPr lang="es-ES" sz="4400" b="1" spc="50" dirty="0" smtClean="0">
+                <a:ln w="11430"/>
+                <a:solidFill>
+                  <a:srgbClr val="002060"/>
+                </a:solidFill>
+                <a:effectLst>
+                  <a:outerShdw blurRad="76200" dist="50800" dir="5400000" algn="tl" rotWithShape="0">
+                    <a:srgbClr val="000000">
+                      <a:alpha val="65000"/>
+                    </a:srgbClr>
+                  </a:outerShdw>
+                </a:effectLst>
+                <a:latin typeface="Berlin Sans FB" pitchFamily="34" charset="0"/>
+                <a:cs typeface="Arial" pitchFamily="34" charset="0"/>
+              </a:rPr>
+              <a:t>INICIO</a:t>
+            </a:r>
+            <a:r>
+              <a:rPr lang="es-ES" sz="11500" b="1" spc="50" dirty="0" smtClean="0">
+                <a:ln w="11430"/>
+                <a:solidFill>
+                  <a:srgbClr val="002060"/>
+                </a:solidFill>
+                <a:effectLst>
+                  <a:outerShdw blurRad="76200" dist="50800" dir="5400000" algn="tl" rotWithShape="0">
+                    <a:srgbClr val="000000">
+                      <a:alpha val="65000"/>
+                    </a:srgbClr>
+                  </a:outerShdw>
+                </a:effectLst>
+                <a:latin typeface="Berlin Sans FB" pitchFamily="34" charset="0"/>
+                <a:cs typeface="Arial" pitchFamily="34" charset="0"/>
+              </a:rPr>
+              <a:t> </a:t>
+            </a:r>
+            <a:endParaRPr lang="es-ES" sz="11500" b="1" spc="50" dirty="0" smtClean="0">
+              <a:ln w="11430"/>
+              <a:solidFill>
+                <a:srgbClr val="002060"/>
+              </a:solidFill>
+              <a:effectLst>
+                <a:outerShdw blurRad="76200" dist="50800" dir="5400000" algn="tl" rotWithShape="0">
+                  <a:srgbClr val="000000">
+                    <a:alpha val="65000"/>
+                  </a:srgbClr>
+                </a:outerShdw>
+              </a:effectLst>
+              <a:latin typeface="Berlin Sans FB" pitchFamily="34" charset="0"/>
+              <a:cs typeface="Arial" pitchFamily="34" charset="0"/>
+            </a:endParaRPr>
+          </a:p>
+        </p:txBody>
+      </p:sp>
+      <p:pic>
+        <p:nvPicPr>
+          <p:cNvPr id="3" name="Imagen 2"/>
+          <p:cNvPicPr>
+            <a:picLocks noChangeAspect="1"/>
+          </p:cNvPicPr>
+          <p:nvPr/>
+        </p:nvPicPr>
+        <p:blipFill>
+          <a:blip r:embed="rId3">
+            <a:extLst>
+              <a:ext uri="{28A0092B-C50C-407E-A947-70E740481C1C}">
+                <a14:useLocalDpi xmlns:a14="http://schemas.microsoft.com/office/drawing/2010/main" val="0"/>
+              </a:ext>
+            </a:extLst>
+          </a:blip>
+          <a:stretch>
+            <a:fillRect/>
+          </a:stretch>
+        </p:blipFill>
+        <p:spPr>
+          <a:xfrm>
+            <a:off x="4563061" y="-20082"/>
+            <a:ext cx="3857625" cy="5805264"/>
+          </a:xfrm>
+          <a:prstGeom prst="rect">
+            <a:avLst/>
+          </a:prstGeom>
+        </p:spPr>
+      </p:pic>
+      <p:sp>
+        <p:nvSpPr>
+          <p:cNvPr id="7" name="Rectángulo 6"/>
+          <p:cNvSpPr/>
+          <p:nvPr/>
+        </p:nvSpPr>
+        <p:spPr>
+          <a:xfrm>
+            <a:off x="99883" y="3509758"/>
+            <a:ext cx="4572000" cy="646331"/>
+          </a:xfrm>
+          <a:prstGeom prst="rect">
+            <a:avLst/>
+          </a:prstGeom>
+        </p:spPr>
+        <p:txBody>
+          <a:bodyPr>
+            <a:spAutoFit/>
+          </a:bodyPr>
+          <a:lstStyle/>
+          <a:p>
+            <a:pPr algn="just">
+              <a:spcAft>
+                <a:spcPts val="0"/>
+              </a:spcAft>
+            </a:pPr>
+            <a:r>
+              <a:rPr lang="es-ES" dirty="0">
+                <a:solidFill>
+                  <a:srgbClr val="000000"/>
+                </a:solidFill>
+                <a:latin typeface="Times New Roman" panose="02020603050405020304" pitchFamily="18" charset="0"/>
+                <a:ea typeface="Times New Roman" panose="02020603050405020304" pitchFamily="18" charset="0"/>
+              </a:rPr>
+              <a:t>El modulo inicio es simplemente </a:t>
+            </a:r>
+            <a:endParaRPr lang="es-ES" dirty="0" smtClean="0">
+              <a:solidFill>
+                <a:srgbClr val="000000"/>
+              </a:solidFill>
+              <a:latin typeface="Times New Roman" panose="02020603050405020304" pitchFamily="18" charset="0"/>
+              <a:ea typeface="Times New Roman" panose="02020603050405020304" pitchFamily="18" charset="0"/>
+            </a:endParaRPr>
+          </a:p>
+          <a:p>
+            <a:pPr algn="just">
+              <a:spcAft>
+                <a:spcPts val="0"/>
+              </a:spcAft>
+            </a:pPr>
+            <a:r>
+              <a:rPr lang="es-ES" dirty="0" smtClean="0">
+                <a:solidFill>
+                  <a:srgbClr val="000000"/>
+                </a:solidFill>
+                <a:latin typeface="Times New Roman" panose="02020603050405020304" pitchFamily="18" charset="0"/>
+                <a:ea typeface="Times New Roman" panose="02020603050405020304" pitchFamily="18" charset="0"/>
+              </a:rPr>
+              <a:t>la </a:t>
+            </a:r>
+            <a:r>
+              <a:rPr lang="es-ES" dirty="0">
+                <a:solidFill>
+                  <a:srgbClr val="000000"/>
+                </a:solidFill>
+                <a:latin typeface="Times New Roman" panose="02020603050405020304" pitchFamily="18" charset="0"/>
+                <a:ea typeface="Times New Roman" panose="02020603050405020304" pitchFamily="18" charset="0"/>
+              </a:rPr>
+              <a:t>primera pantalla del </a:t>
+            </a:r>
+            <a:r>
+              <a:rPr lang="es-ES" dirty="0" err="1">
+                <a:solidFill>
+                  <a:srgbClr val="000000"/>
+                </a:solidFill>
+                <a:latin typeface="Times New Roman" panose="02020603050405020304" pitchFamily="18" charset="0"/>
+                <a:ea typeface="Times New Roman" panose="02020603050405020304" pitchFamily="18" charset="0"/>
+              </a:rPr>
+              <a:t>AppReceta</a:t>
+            </a:r>
+            <a:r>
+              <a:rPr lang="es-ES" dirty="0">
+                <a:solidFill>
+                  <a:srgbClr val="000000"/>
+                </a:solidFill>
+                <a:latin typeface="Times New Roman" panose="02020603050405020304" pitchFamily="18" charset="0"/>
+                <a:ea typeface="Times New Roman" panose="02020603050405020304" pitchFamily="18" charset="0"/>
+              </a:rPr>
+              <a:t> </a:t>
+            </a:r>
+            <a:endParaRPr lang="es-ES" dirty="0">
+              <a:solidFill>
+                <a:srgbClr val="000000"/>
+              </a:solidFill>
+              <a:effectLst/>
+              <a:latin typeface="Times New Roman" panose="02020603050405020304" pitchFamily="18" charset="0"/>
+              <a:ea typeface="Times New Roman" panose="02020603050405020304" pitchFamily="18" charset="0"/>
+            </a:endParaRPr>
           </a:p>
         </p:txBody>
       </p:sp>
@@ -4802,7 +5243,7 @@
         <p:spPr>
           <a:xfrm>
             <a:off x="0" y="-1"/>
-            <a:ext cx="9144000" cy="2564905"/>
+            <a:ext cx="4355976" cy="2564905"/>
           </a:xfrm>
           <a:prstGeom prst="flowChartDocument">
             <a:avLst/>
@@ -4885,10 +5326,197 @@
           </a:p>
         </p:txBody>
       </p:sp>
+      <p:sp>
+        <p:nvSpPr>
+          <p:cNvPr id="5" name="9 CuadroTexto"/>
+          <p:cNvSpPr txBox="1"/>
+          <p:nvPr/>
+        </p:nvSpPr>
+        <p:spPr>
+          <a:xfrm>
+            <a:off x="68342" y="-3247"/>
+            <a:ext cx="7848872" cy="2539157"/>
+          </a:xfrm>
+          <a:prstGeom prst="rect">
+            <a:avLst/>
+          </a:prstGeom>
+          <a:noFill/>
+        </p:spPr>
+        <p:txBody>
+          <a:bodyPr wrap="square" rtlCol="0">
+            <a:spAutoFit/>
+            <a:scene3d>
+              <a:camera prst="orthographicFront"/>
+              <a:lightRig rig="soft" dir="tl">
+                <a:rot lat="0" lon="0" rev="0"/>
+              </a:lightRig>
+            </a:scene3d>
+            <a:sp3d contourW="25400" prstMaterial="matte">
+              <a:bevelT w="25400" h="55880" prst="artDeco"/>
+              <a:contourClr>
+                <a:schemeClr val="accent2">
+                  <a:tint val="20000"/>
+                </a:schemeClr>
+              </a:contourClr>
+            </a:sp3d>
+          </a:bodyPr>
+          <a:lstStyle/>
+          <a:p>
+            <a:r>
+              <a:rPr lang="es-ES" sz="4400" b="1" spc="50" dirty="0" smtClean="0">
+                <a:ln w="11430"/>
+                <a:solidFill>
+                  <a:srgbClr val="002060"/>
+                </a:solidFill>
+                <a:effectLst>
+                  <a:outerShdw blurRad="76200" dist="50800" dir="5400000" algn="tl" rotWithShape="0">
+                    <a:srgbClr val="000000">
+                      <a:alpha val="65000"/>
+                    </a:srgbClr>
+                  </a:outerShdw>
+                </a:effectLst>
+                <a:latin typeface="Berlin Sans FB" pitchFamily="34" charset="0"/>
+                <a:cs typeface="Arial" pitchFamily="34" charset="0"/>
+              </a:rPr>
+              <a:t>MODULO </a:t>
+            </a:r>
+          </a:p>
+          <a:p>
+            <a:r>
+              <a:rPr lang="es-ES" sz="4400" b="1" spc="50" dirty="0" smtClean="0">
+                <a:ln w="11430"/>
+                <a:solidFill>
+                  <a:srgbClr val="002060"/>
+                </a:solidFill>
+                <a:effectLst>
+                  <a:outerShdw blurRad="76200" dist="50800" dir="5400000" algn="tl" rotWithShape="0">
+                    <a:srgbClr val="000000">
+                      <a:alpha val="65000"/>
+                    </a:srgbClr>
+                  </a:outerShdw>
+                </a:effectLst>
+                <a:latin typeface="Berlin Sans FB" pitchFamily="34" charset="0"/>
+                <a:cs typeface="Arial" pitchFamily="34" charset="0"/>
+              </a:rPr>
+              <a:t>RECETAS</a:t>
+            </a:r>
+            <a:r>
+              <a:rPr lang="es-ES" sz="11500" b="1" spc="50" dirty="0" smtClean="0">
+                <a:ln w="11430"/>
+                <a:solidFill>
+                  <a:srgbClr val="002060"/>
+                </a:solidFill>
+                <a:effectLst>
+                  <a:outerShdw blurRad="76200" dist="50800" dir="5400000" algn="tl" rotWithShape="0">
+                    <a:srgbClr val="000000">
+                      <a:alpha val="65000"/>
+                    </a:srgbClr>
+                  </a:outerShdw>
+                </a:effectLst>
+                <a:latin typeface="Berlin Sans FB" pitchFamily="34" charset="0"/>
+                <a:cs typeface="Arial" pitchFamily="34" charset="0"/>
+              </a:rPr>
+              <a:t> </a:t>
+            </a:r>
+            <a:endParaRPr lang="es-ES" sz="11500" b="1" spc="50" dirty="0" smtClean="0">
+              <a:ln w="11430"/>
+              <a:solidFill>
+                <a:srgbClr val="002060"/>
+              </a:solidFill>
+              <a:effectLst>
+                <a:outerShdw blurRad="76200" dist="50800" dir="5400000" algn="tl" rotWithShape="0">
+                  <a:srgbClr val="000000">
+                    <a:alpha val="65000"/>
+                  </a:srgbClr>
+                </a:outerShdw>
+              </a:effectLst>
+              <a:latin typeface="Berlin Sans FB" pitchFamily="34" charset="0"/>
+              <a:cs typeface="Arial" pitchFamily="34" charset="0"/>
+            </a:endParaRPr>
+          </a:p>
+        </p:txBody>
+      </p:sp>
+      <p:pic>
+        <p:nvPicPr>
+          <p:cNvPr id="2" name="Imagen 1"/>
+          <p:cNvPicPr>
+            <a:picLocks noChangeAspect="1"/>
+          </p:cNvPicPr>
+          <p:nvPr/>
+        </p:nvPicPr>
+        <p:blipFill>
+          <a:blip r:embed="rId3">
+            <a:extLst>
+              <a:ext uri="{28A0092B-C50C-407E-A947-70E740481C1C}">
+                <a14:useLocalDpi xmlns:a14="http://schemas.microsoft.com/office/drawing/2010/main" val="0"/>
+              </a:ext>
+            </a:extLst>
+          </a:blip>
+          <a:stretch>
+            <a:fillRect/>
+          </a:stretch>
+        </p:blipFill>
+        <p:spPr>
+          <a:xfrm>
+            <a:off x="4932040" y="-38845"/>
+            <a:ext cx="3600400" cy="5808511"/>
+          </a:xfrm>
+          <a:prstGeom prst="rect">
+            <a:avLst/>
+          </a:prstGeom>
+        </p:spPr>
+      </p:pic>
+      <p:sp>
+        <p:nvSpPr>
+          <p:cNvPr id="3" name="Rectángulo 2"/>
+          <p:cNvSpPr/>
+          <p:nvPr/>
+        </p:nvSpPr>
+        <p:spPr>
+          <a:xfrm>
+            <a:off x="245732" y="3524255"/>
+            <a:ext cx="4572000" cy="646331"/>
+          </a:xfrm>
+          <a:prstGeom prst="rect">
+            <a:avLst/>
+          </a:prstGeom>
+        </p:spPr>
+        <p:txBody>
+          <a:bodyPr>
+            <a:spAutoFit/>
+          </a:bodyPr>
+          <a:lstStyle/>
+          <a:p>
+            <a:pPr algn="just">
+              <a:spcAft>
+                <a:spcPts val="0"/>
+              </a:spcAft>
+            </a:pPr>
+            <a:r>
+              <a:rPr lang="es-ES" dirty="0">
+                <a:solidFill>
+                  <a:srgbClr val="000000"/>
+                </a:solidFill>
+                <a:latin typeface="Times New Roman" panose="02020603050405020304" pitchFamily="18" charset="0"/>
+                <a:ea typeface="Times New Roman" panose="02020603050405020304" pitchFamily="18" charset="0"/>
+              </a:rPr>
+              <a:t>El modulo recetas contiene la lista de recetas en general.</a:t>
+            </a:r>
+            <a:endParaRPr lang="es-ES" dirty="0">
+              <a:solidFill>
+                <a:srgbClr val="000000"/>
+              </a:solidFill>
+              <a:effectLst/>
+              <a:latin typeface="Times New Roman" panose="02020603050405020304" pitchFamily="18" charset="0"/>
+              <a:ea typeface="Times New Roman" panose="02020603050405020304" pitchFamily="18" charset="0"/>
+            </a:endParaRPr>
+          </a:p>
+        </p:txBody>
+      </p:sp>
     </p:spTree>
     <p:extLst>
       <p:ext uri="{BB962C8B-B14F-4D97-AF65-F5344CB8AC3E}">
-        <p14:creationId xmlns:p14="http://schemas.microsoft.com/office/powerpoint/2010/main" val="128906418"/>
+        <p14:creationId xmlns:p14="http://schemas.microsoft.com/office/powerpoint/2010/main" val="3701737146"/>
       </p:ext>
     </p:extLst>
   </p:cSld>
@@ -4943,7 +5571,7 @@
         <p:spPr>
           <a:xfrm>
             <a:off x="0" y="-1"/>
-            <a:ext cx="9144000" cy="2564905"/>
+            <a:ext cx="4355976" cy="2564905"/>
           </a:xfrm>
           <a:prstGeom prst="flowChartDocument">
             <a:avLst/>
@@ -5028,14 +5656,154 @@
       </p:sp>
       <p:sp>
         <p:nvSpPr>
-          <p:cNvPr id="2" name="Rectángulo 1"/>
+          <p:cNvPr id="5" name="9 CuadroTexto"/>
+          <p:cNvSpPr txBox="1"/>
+          <p:nvPr/>
+        </p:nvSpPr>
+        <p:spPr>
+          <a:xfrm>
+            <a:off x="68342" y="-3247"/>
+            <a:ext cx="7848872" cy="2539157"/>
+          </a:xfrm>
+          <a:prstGeom prst="rect">
+            <a:avLst/>
+          </a:prstGeom>
+          <a:noFill/>
+        </p:spPr>
+        <p:txBody>
+          <a:bodyPr wrap="square" rtlCol="0">
+            <a:spAutoFit/>
+            <a:scene3d>
+              <a:camera prst="orthographicFront"/>
+              <a:lightRig rig="soft" dir="tl">
+                <a:rot lat="0" lon="0" rev="0"/>
+              </a:lightRig>
+            </a:scene3d>
+            <a:sp3d contourW="25400" prstMaterial="matte">
+              <a:bevelT w="25400" h="55880" prst="artDeco"/>
+              <a:contourClr>
+                <a:schemeClr val="accent2">
+                  <a:tint val="20000"/>
+                </a:schemeClr>
+              </a:contourClr>
+            </a:sp3d>
+          </a:bodyPr>
+          <a:lstStyle/>
+          <a:p>
+            <a:r>
+              <a:rPr lang="es-ES" sz="4400" b="1" spc="50" dirty="0" smtClean="0">
+                <a:ln w="11430"/>
+                <a:solidFill>
+                  <a:srgbClr val="002060"/>
+                </a:solidFill>
+                <a:effectLst>
+                  <a:outerShdw blurRad="76200" dist="50800" dir="5400000" algn="tl" rotWithShape="0">
+                    <a:srgbClr val="000000">
+                      <a:alpha val="65000"/>
+                    </a:srgbClr>
+                  </a:outerShdw>
+                </a:effectLst>
+                <a:latin typeface="Berlin Sans FB" pitchFamily="34" charset="0"/>
+                <a:cs typeface="Arial" pitchFamily="34" charset="0"/>
+              </a:rPr>
+              <a:t>MODULO </a:t>
+            </a:r>
+          </a:p>
+          <a:p>
+            <a:r>
+              <a:rPr lang="es-ES" sz="4400" b="1" spc="50" dirty="0" smtClean="0">
+                <a:ln w="11430"/>
+                <a:solidFill>
+                  <a:srgbClr val="002060"/>
+                </a:solidFill>
+                <a:effectLst>
+                  <a:outerShdw blurRad="76200" dist="50800" dir="5400000" algn="tl" rotWithShape="0">
+                    <a:srgbClr val="000000">
+                      <a:alpha val="65000"/>
+                    </a:srgbClr>
+                  </a:outerShdw>
+                </a:effectLst>
+                <a:latin typeface="Berlin Sans FB" pitchFamily="34" charset="0"/>
+                <a:cs typeface="Arial" pitchFamily="34" charset="0"/>
+              </a:rPr>
+              <a:t>AJUSTES</a:t>
+            </a:r>
+            <a:r>
+              <a:rPr lang="es-ES" sz="11500" b="1" spc="50" dirty="0" smtClean="0">
+                <a:ln w="11430"/>
+                <a:solidFill>
+                  <a:srgbClr val="002060"/>
+                </a:solidFill>
+                <a:effectLst>
+                  <a:outerShdw blurRad="76200" dist="50800" dir="5400000" algn="tl" rotWithShape="0">
+                    <a:srgbClr val="000000">
+                      <a:alpha val="65000"/>
+                    </a:srgbClr>
+                  </a:outerShdw>
+                </a:effectLst>
+                <a:latin typeface="Berlin Sans FB" pitchFamily="34" charset="0"/>
+                <a:cs typeface="Arial" pitchFamily="34" charset="0"/>
+              </a:rPr>
+              <a:t> </a:t>
+            </a:r>
+            <a:endParaRPr lang="es-ES" sz="11500" b="1" spc="50" dirty="0" smtClean="0">
+              <a:ln w="11430"/>
+              <a:solidFill>
+                <a:srgbClr val="002060"/>
+              </a:solidFill>
+              <a:effectLst>
+                <a:outerShdw blurRad="76200" dist="50800" dir="5400000" algn="tl" rotWithShape="0">
+                  <a:srgbClr val="000000">
+                    <a:alpha val="65000"/>
+                  </a:srgbClr>
+                </a:outerShdw>
+              </a:effectLst>
+              <a:latin typeface="Berlin Sans FB" pitchFamily="34" charset="0"/>
+              <a:cs typeface="Arial" pitchFamily="34" charset="0"/>
+            </a:endParaRPr>
+          </a:p>
+        </p:txBody>
+      </p:sp>
+      <p:pic>
+        <p:nvPicPr>
+          <p:cNvPr id="3" name="Imagen 2"/>
+          <p:cNvPicPr>
+            <a:picLocks noChangeAspect="1"/>
+          </p:cNvPicPr>
+          <p:nvPr/>
+        </p:nvPicPr>
+        <p:blipFill>
+          <a:blip r:embed="rId3">
+            <a:extLst>
+              <a:ext uri="{28A0092B-C50C-407E-A947-70E740481C1C}">
+                <a14:useLocalDpi xmlns:a14="http://schemas.microsoft.com/office/drawing/2010/main" val="0"/>
+              </a:ext>
+            </a:extLst>
+          </a:blip>
+          <a:stretch>
+            <a:fillRect/>
+          </a:stretch>
+        </p:blipFill>
+        <p:spPr>
+          <a:xfrm>
+            <a:off x="5292080" y="0"/>
+            <a:ext cx="3456384" cy="5567536"/>
+          </a:xfrm>
+          <a:prstGeom prst="rect">
+            <a:avLst/>
+          </a:prstGeom>
+        </p:spPr>
+      </p:pic>
+      <p:sp>
+        <p:nvSpPr>
+          <p:cNvPr id="8" name="Rectángulo 7"/>
           <p:cNvSpPr/>
           <p:nvPr/>
         </p:nvSpPr>
         <p:spPr>
           <a:xfrm>
-            <a:off x="2051720" y="2780928"/>
-            <a:ext cx="4572000" cy="2308324"/>
+            <a:off x="467544" y="3284984"/>
+            <a:ext cx="4572000" cy="1200329"/>
           </a:xfrm>
           <a:prstGeom prst="rect">
             <a:avLst/>
@@ -5060,7 +5828,7 @@
                 <a:latin typeface="Times New Roman" panose="02020603050405020304" pitchFamily="18" charset="0"/>
                 <a:ea typeface="Times New Roman" panose="02020603050405020304" pitchFamily="18" charset="0"/>
               </a:rPr>
-              <a:t>La aplicación tiene como fin guiar al usuario durante todo el proceso de preparación de un plato de comida. Optimizar el tiempo y recursos de los usuarios, sean estos expertos o principiantes en la preparación de alimentos. Dando recomendaciones de platos que puedan preparar con los ingredientes que tienen en sus hogares.</a:t>
+              <a:t>El  módulo ajustes contiene la configuración de la un alarma para que el usuario pueda configurar en que horario que  desee utilizar la aplicación </a:t>
             </a:r>
             <a:endParaRPr lang="es-ES" dirty="0">
               <a:solidFill>
@@ -5069,6 +5837,594 @@
               <a:effectLst/>
               <a:latin typeface="Times New Roman" panose="02020603050405020304" pitchFamily="18" charset="0"/>
               <a:ea typeface="Times New Roman" panose="02020603050405020304" pitchFamily="18" charset="0"/>
+            </a:endParaRPr>
+          </a:p>
+        </p:txBody>
+      </p:sp>
+    </p:spTree>
+    <p:extLst>
+      <p:ext uri="{BB962C8B-B14F-4D97-AF65-F5344CB8AC3E}">
+        <p14:creationId xmlns:p14="http://schemas.microsoft.com/office/powerpoint/2010/main" val="1260259462"/>
+      </p:ext>
+    </p:extLst>
+  </p:cSld>
+  <p:clrMapOvr>
+    <a:masterClrMapping/>
+  </p:clrMapOvr>
+  <mc:AlternateContent xmlns:mc="http://schemas.openxmlformats.org/markup-compatibility/2006">
+    <mc:Choice xmlns:p14="http://schemas.microsoft.com/office/powerpoint/2010/main" Requires="p14">
+      <p:transition spd="slow" p14:dur="2000">
+        <p14:prism isContent="1"/>
+      </p:transition>
+    </mc:Choice>
+    <mc:Fallback>
+      <p:transition spd="slow">
+        <p:fade/>
+      </p:transition>
+    </mc:Fallback>
+  </mc:AlternateContent>
+  <p:timing>
+    <p:tnLst>
+      <p:par>
+        <p:cTn id="1" dur="indefinite" restart="never" nodeType="tmRoot"/>
+      </p:par>
+    </p:tnLst>
+  </p:timing>
+</p:sld>
+</file>
+
+<file path=ppt/slides/slide6.xml><?xml version="1.0" encoding="utf-8"?>
+<p:sld xmlns:a="http://schemas.openxmlformats.org/drawingml/2006/main" xmlns:r="http://schemas.openxmlformats.org/officeDocument/2006/relationships" xmlns:p="http://schemas.openxmlformats.org/presentationml/2006/main">
+  <p:cSld>
+    <p:spTree>
+      <p:nvGrpSpPr>
+        <p:cNvPr id="1" name=""/>
+        <p:cNvGrpSpPr/>
+        <p:nvPr/>
+      </p:nvGrpSpPr>
+      <p:grpSpPr>
+        <a:xfrm>
+          <a:off x="0" y="0"/>
+          <a:ext cx="0" cy="0"/>
+          <a:chOff x="0" y="0"/>
+          <a:chExt cx="0" cy="0"/>
+        </a:xfrm>
+      </p:grpSpPr>
+      <p:sp>
+        <p:nvSpPr>
+          <p:cNvPr id="4" name="3 Documento"/>
+          <p:cNvSpPr/>
+          <p:nvPr/>
+        </p:nvSpPr>
+        <p:spPr>
+          <a:xfrm>
+            <a:off x="0" y="-1"/>
+            <a:ext cx="4355976" cy="2564905"/>
+          </a:xfrm>
+          <a:prstGeom prst="flowChartDocument">
+            <a:avLst/>
+          </a:prstGeom>
+          <a:solidFill>
+            <a:srgbClr val="FFC000"/>
+          </a:solidFill>
+          <a:ln w="57150">
+            <a:solidFill>
+              <a:srgbClr val="002060"/>
+            </a:solidFill>
+          </a:ln>
+        </p:spPr>
+        <p:style>
+          <a:lnRef idx="1">
+            <a:schemeClr val="accent5"/>
+          </a:lnRef>
+          <a:fillRef idx="3">
+            <a:schemeClr val="accent5"/>
+          </a:fillRef>
+          <a:effectRef idx="2">
+            <a:schemeClr val="accent5"/>
+          </a:effectRef>
+          <a:fontRef idx="minor">
+            <a:schemeClr val="lt1"/>
+          </a:fontRef>
+        </p:style>
+        <p:txBody>
+          <a:bodyPr rtlCol="0" anchor="ctr"/>
+          <a:lstStyle/>
+          <a:p>
+            <a:pPr algn="ctr"/>
+            <a:endParaRPr lang="es-ES"/>
+          </a:p>
+        </p:txBody>
+      </p:sp>
+      <p:sp>
+        <p:nvSpPr>
+          <p:cNvPr id="6" name="5 Redondear rectángulo de esquina del mismo lado"/>
+          <p:cNvSpPr/>
+          <p:nvPr/>
+        </p:nvSpPr>
+        <p:spPr>
+          <a:xfrm>
+            <a:off x="6780" y="5805264"/>
+            <a:ext cx="9144000" cy="1052736"/>
+          </a:xfrm>
+          <a:prstGeom prst="round2SameRect">
+            <a:avLst/>
+          </a:prstGeom>
+          <a:solidFill>
+            <a:srgbClr val="FFC000"/>
+          </a:solidFill>
+          <a:ln w="57150">
+            <a:solidFill>
+              <a:srgbClr val="002060"/>
+            </a:solidFill>
+          </a:ln>
+        </p:spPr>
+        <p:style>
+          <a:lnRef idx="0">
+            <a:schemeClr val="accent5"/>
+          </a:lnRef>
+          <a:fillRef idx="3">
+            <a:schemeClr val="accent5"/>
+          </a:fillRef>
+          <a:effectRef idx="3">
+            <a:schemeClr val="accent5"/>
+          </a:effectRef>
+          <a:fontRef idx="minor">
+            <a:schemeClr val="lt1"/>
+          </a:fontRef>
+        </p:style>
+        <p:txBody>
+          <a:bodyPr rtlCol="0" anchor="ctr"/>
+          <a:lstStyle/>
+          <a:p>
+            <a:pPr algn="ctr"/>
+            <a:endParaRPr lang="es-ES" dirty="0"/>
+          </a:p>
+        </p:txBody>
+      </p:sp>
+      <p:sp>
+        <p:nvSpPr>
+          <p:cNvPr id="5" name="9 CuadroTexto"/>
+          <p:cNvSpPr txBox="1"/>
+          <p:nvPr/>
+        </p:nvSpPr>
+        <p:spPr>
+          <a:xfrm>
+            <a:off x="68342" y="-3247"/>
+            <a:ext cx="7848872" cy="2539157"/>
+          </a:xfrm>
+          <a:prstGeom prst="rect">
+            <a:avLst/>
+          </a:prstGeom>
+          <a:noFill/>
+        </p:spPr>
+        <p:txBody>
+          <a:bodyPr wrap="square" rtlCol="0">
+            <a:spAutoFit/>
+            <a:scene3d>
+              <a:camera prst="orthographicFront"/>
+              <a:lightRig rig="soft" dir="tl">
+                <a:rot lat="0" lon="0" rev="0"/>
+              </a:lightRig>
+            </a:scene3d>
+            <a:sp3d contourW="25400" prstMaterial="matte">
+              <a:bevelT w="25400" h="55880" prst="artDeco"/>
+              <a:contourClr>
+                <a:schemeClr val="accent2">
+                  <a:tint val="20000"/>
+                </a:schemeClr>
+              </a:contourClr>
+            </a:sp3d>
+          </a:bodyPr>
+          <a:lstStyle/>
+          <a:p>
+            <a:r>
+              <a:rPr lang="es-ES" sz="4400" b="1" spc="50" dirty="0" smtClean="0">
+                <a:ln w="11430"/>
+                <a:solidFill>
+                  <a:srgbClr val="002060"/>
+                </a:solidFill>
+                <a:effectLst>
+                  <a:outerShdw blurRad="76200" dist="50800" dir="5400000" algn="tl" rotWithShape="0">
+                    <a:srgbClr val="000000">
+                      <a:alpha val="65000"/>
+                    </a:srgbClr>
+                  </a:outerShdw>
+                </a:effectLst>
+                <a:latin typeface="Berlin Sans FB" pitchFamily="34" charset="0"/>
+                <a:cs typeface="Arial" pitchFamily="34" charset="0"/>
+              </a:rPr>
+              <a:t>MODULO </a:t>
+            </a:r>
+          </a:p>
+          <a:p>
+            <a:r>
+              <a:rPr lang="es-ES" sz="4400" b="1" spc="50" dirty="0" smtClean="0">
+                <a:ln w="11430"/>
+                <a:solidFill>
+                  <a:srgbClr val="002060"/>
+                </a:solidFill>
+                <a:effectLst>
+                  <a:outerShdw blurRad="76200" dist="50800" dir="5400000" algn="tl" rotWithShape="0">
+                    <a:srgbClr val="000000">
+                      <a:alpha val="65000"/>
+                    </a:srgbClr>
+                  </a:outerShdw>
+                </a:effectLst>
+                <a:latin typeface="Berlin Sans FB" pitchFamily="34" charset="0"/>
+                <a:cs typeface="Arial" pitchFamily="34" charset="0"/>
+              </a:rPr>
+              <a:t>VIDEO</a:t>
+            </a:r>
+            <a:r>
+              <a:rPr lang="es-ES" sz="11500" b="1" spc="50" dirty="0" smtClean="0">
+                <a:ln w="11430"/>
+                <a:solidFill>
+                  <a:srgbClr val="002060"/>
+                </a:solidFill>
+                <a:effectLst>
+                  <a:outerShdw blurRad="76200" dist="50800" dir="5400000" algn="tl" rotWithShape="0">
+                    <a:srgbClr val="000000">
+                      <a:alpha val="65000"/>
+                    </a:srgbClr>
+                  </a:outerShdw>
+                </a:effectLst>
+                <a:latin typeface="Berlin Sans FB" pitchFamily="34" charset="0"/>
+                <a:cs typeface="Arial" pitchFamily="34" charset="0"/>
+              </a:rPr>
+              <a:t> </a:t>
+            </a:r>
+            <a:endParaRPr lang="es-ES" sz="11500" b="1" spc="50" dirty="0" smtClean="0">
+              <a:ln w="11430"/>
+              <a:solidFill>
+                <a:srgbClr val="002060"/>
+              </a:solidFill>
+              <a:effectLst>
+                <a:outerShdw blurRad="76200" dist="50800" dir="5400000" algn="tl" rotWithShape="0">
+                  <a:srgbClr val="000000">
+                    <a:alpha val="65000"/>
+                  </a:srgbClr>
+                </a:outerShdw>
+              </a:effectLst>
+              <a:latin typeface="Berlin Sans FB" pitchFamily="34" charset="0"/>
+              <a:cs typeface="Arial" pitchFamily="34" charset="0"/>
+            </a:endParaRPr>
+          </a:p>
+        </p:txBody>
+      </p:sp>
+      <p:pic>
+        <p:nvPicPr>
+          <p:cNvPr id="7" name="Imagen 6"/>
+          <p:cNvPicPr>
+            <a:picLocks noChangeAspect="1"/>
+          </p:cNvPicPr>
+          <p:nvPr/>
+        </p:nvPicPr>
+        <p:blipFill>
+          <a:blip r:embed="rId3">
+            <a:extLst>
+              <a:ext uri="{28A0092B-C50C-407E-A947-70E740481C1C}">
+                <a14:useLocalDpi xmlns:a14="http://schemas.microsoft.com/office/drawing/2010/main" val="0"/>
+              </a:ext>
+            </a:extLst>
+          </a:blip>
+          <a:stretch>
+            <a:fillRect/>
+          </a:stretch>
+        </p:blipFill>
+        <p:spPr>
+          <a:xfrm>
+            <a:off x="5148064" y="73866"/>
+            <a:ext cx="3744415" cy="5667402"/>
+          </a:xfrm>
+          <a:prstGeom prst="rect">
+            <a:avLst/>
+          </a:prstGeom>
+        </p:spPr>
+      </p:pic>
+      <p:sp>
+        <p:nvSpPr>
+          <p:cNvPr id="8" name="Rectángulo 7"/>
+          <p:cNvSpPr/>
+          <p:nvPr/>
+        </p:nvSpPr>
+        <p:spPr>
+          <a:xfrm>
+            <a:off x="180020" y="3492257"/>
+            <a:ext cx="4572000" cy="646331"/>
+          </a:xfrm>
+          <a:prstGeom prst="rect">
+            <a:avLst/>
+          </a:prstGeom>
+        </p:spPr>
+        <p:txBody>
+          <a:bodyPr>
+            <a:spAutoFit/>
+          </a:bodyPr>
+          <a:lstStyle/>
+          <a:p>
+            <a:pPr algn="just">
+              <a:spcAft>
+                <a:spcPts val="0"/>
+              </a:spcAft>
+            </a:pPr>
+            <a:r>
+              <a:rPr lang="es-ES" dirty="0">
+                <a:solidFill>
+                  <a:srgbClr val="000000"/>
+                </a:solidFill>
+                <a:latin typeface="Times New Roman" panose="02020603050405020304" pitchFamily="18" charset="0"/>
+                <a:ea typeface="Times New Roman" panose="02020603050405020304" pitchFamily="18" charset="0"/>
+              </a:rPr>
+              <a:t>El módulo Videos contiene la lista de videos de las recetas </a:t>
+            </a:r>
+            <a:endParaRPr lang="es-ES" dirty="0">
+              <a:solidFill>
+                <a:srgbClr val="000000"/>
+              </a:solidFill>
+              <a:effectLst/>
+              <a:latin typeface="Times New Roman" panose="02020603050405020304" pitchFamily="18" charset="0"/>
+              <a:ea typeface="Times New Roman" panose="02020603050405020304" pitchFamily="18" charset="0"/>
+            </a:endParaRPr>
+          </a:p>
+        </p:txBody>
+      </p:sp>
+    </p:spTree>
+    <p:extLst>
+      <p:ext uri="{BB962C8B-B14F-4D97-AF65-F5344CB8AC3E}">
+        <p14:creationId xmlns:p14="http://schemas.microsoft.com/office/powerpoint/2010/main" val="390687288"/>
+      </p:ext>
+    </p:extLst>
+  </p:cSld>
+  <p:clrMapOvr>
+    <a:masterClrMapping/>
+  </p:clrMapOvr>
+  <mc:AlternateContent xmlns:mc="http://schemas.openxmlformats.org/markup-compatibility/2006">
+    <mc:Choice xmlns:p14="http://schemas.microsoft.com/office/powerpoint/2010/main" Requires="p14">
+      <p:transition spd="slow" p14:dur="2000">
+        <p14:prism isContent="1"/>
+      </p:transition>
+    </mc:Choice>
+    <mc:Fallback>
+      <p:transition spd="slow">
+        <p:fade/>
+      </p:transition>
+    </mc:Fallback>
+  </mc:AlternateContent>
+  <p:timing>
+    <p:tnLst>
+      <p:par>
+        <p:cTn id="1" dur="indefinite" restart="never" nodeType="tmRoot"/>
+      </p:par>
+    </p:tnLst>
+  </p:timing>
+</p:sld>
+</file>
+
+<file path=ppt/slides/slide7.xml><?xml version="1.0" encoding="utf-8"?>
+<p:sld xmlns:a="http://schemas.openxmlformats.org/drawingml/2006/main" xmlns:r="http://schemas.openxmlformats.org/officeDocument/2006/relationships" xmlns:p="http://schemas.openxmlformats.org/presentationml/2006/main">
+  <p:cSld>
+    <p:spTree>
+      <p:nvGrpSpPr>
+        <p:cNvPr id="1" name=""/>
+        <p:cNvGrpSpPr/>
+        <p:nvPr/>
+      </p:nvGrpSpPr>
+      <p:grpSpPr>
+        <a:xfrm>
+          <a:off x="0" y="0"/>
+          <a:ext cx="0" cy="0"/>
+          <a:chOff x="0" y="0"/>
+          <a:chExt cx="0" cy="0"/>
+        </a:xfrm>
+      </p:grpSpPr>
+      <p:sp>
+        <p:nvSpPr>
+          <p:cNvPr id="4" name="3 Documento"/>
+          <p:cNvSpPr/>
+          <p:nvPr/>
+        </p:nvSpPr>
+        <p:spPr>
+          <a:xfrm>
+            <a:off x="0" y="-1"/>
+            <a:ext cx="9144000" cy="2564905"/>
+          </a:xfrm>
+          <a:prstGeom prst="flowChartDocument">
+            <a:avLst/>
+          </a:prstGeom>
+          <a:solidFill>
+            <a:srgbClr val="FFC000"/>
+          </a:solidFill>
+          <a:ln w="57150">
+            <a:solidFill>
+              <a:srgbClr val="002060"/>
+            </a:solidFill>
+          </a:ln>
+        </p:spPr>
+        <p:style>
+          <a:lnRef idx="1">
+            <a:schemeClr val="accent5"/>
+          </a:lnRef>
+          <a:fillRef idx="3">
+            <a:schemeClr val="accent5"/>
+          </a:fillRef>
+          <a:effectRef idx="2">
+            <a:schemeClr val="accent5"/>
+          </a:effectRef>
+          <a:fontRef idx="minor">
+            <a:schemeClr val="lt1"/>
+          </a:fontRef>
+        </p:style>
+        <p:txBody>
+          <a:bodyPr rtlCol="0" anchor="ctr"/>
+          <a:lstStyle/>
+          <a:p>
+            <a:pPr algn="ctr"/>
+            <a:endParaRPr lang="es-ES"/>
+          </a:p>
+        </p:txBody>
+      </p:sp>
+      <p:sp>
+        <p:nvSpPr>
+          <p:cNvPr id="6" name="5 Redondear rectángulo de esquina del mismo lado"/>
+          <p:cNvSpPr/>
+          <p:nvPr/>
+        </p:nvSpPr>
+        <p:spPr>
+          <a:xfrm>
+            <a:off x="6780" y="5805264"/>
+            <a:ext cx="9144000" cy="1052736"/>
+          </a:xfrm>
+          <a:prstGeom prst="round2SameRect">
+            <a:avLst/>
+          </a:prstGeom>
+          <a:solidFill>
+            <a:srgbClr val="FFC000"/>
+          </a:solidFill>
+          <a:ln w="57150">
+            <a:solidFill>
+              <a:srgbClr val="002060"/>
+            </a:solidFill>
+          </a:ln>
+        </p:spPr>
+        <p:style>
+          <a:lnRef idx="0">
+            <a:schemeClr val="accent5"/>
+          </a:lnRef>
+          <a:fillRef idx="3">
+            <a:schemeClr val="accent5"/>
+          </a:fillRef>
+          <a:effectRef idx="3">
+            <a:schemeClr val="accent5"/>
+          </a:effectRef>
+          <a:fontRef idx="minor">
+            <a:schemeClr val="lt1"/>
+          </a:fontRef>
+        </p:style>
+        <p:txBody>
+          <a:bodyPr rtlCol="0" anchor="ctr"/>
+          <a:lstStyle/>
+          <a:p>
+            <a:pPr algn="ctr"/>
+            <a:endParaRPr lang="es-ES" dirty="0"/>
+          </a:p>
+        </p:txBody>
+      </p:sp>
+      <p:sp>
+        <p:nvSpPr>
+          <p:cNvPr id="2" name="Rectángulo 1"/>
+          <p:cNvSpPr/>
+          <p:nvPr/>
+        </p:nvSpPr>
+        <p:spPr>
+          <a:xfrm>
+            <a:off x="208721" y="2922476"/>
+            <a:ext cx="8496944" cy="1938992"/>
+          </a:xfrm>
+          <a:prstGeom prst="rect">
+            <a:avLst/>
+          </a:prstGeom>
+        </p:spPr>
+        <p:txBody>
+          <a:bodyPr wrap="square">
+            <a:spAutoFit/>
+          </a:bodyPr>
+          <a:lstStyle/>
+          <a:p>
+            <a:pPr algn="just">
+              <a:spcAft>
+                <a:spcPts val="0"/>
+              </a:spcAft>
+            </a:pPr>
+            <a:r>
+              <a:rPr lang="es-ES" sz="2400" dirty="0">
+                <a:solidFill>
+                  <a:srgbClr val="000000"/>
+                </a:solidFill>
+                <a:latin typeface="Times New Roman" panose="02020603050405020304" pitchFamily="18" charset="0"/>
+                <a:ea typeface="Times New Roman" panose="02020603050405020304" pitchFamily="18" charset="0"/>
+              </a:rPr>
+              <a:t>La aplicación tiene como fin guiar al usuario durante todo el proceso de preparación de un plato de comida. Optimizar el tiempo y recursos de los usuarios, sean estos expertos o principiantes en la preparación de alimentos. Dando recomendaciones de platos que puedan preparar con los ingredientes que tienen en sus hogares.</a:t>
+            </a:r>
+            <a:endParaRPr lang="es-ES" sz="2400" dirty="0">
+              <a:solidFill>
+                <a:srgbClr val="000000"/>
+              </a:solidFill>
+              <a:effectLst/>
+              <a:latin typeface="Times New Roman" panose="02020603050405020304" pitchFamily="18" charset="0"/>
+              <a:ea typeface="Times New Roman" panose="02020603050405020304" pitchFamily="18" charset="0"/>
+            </a:endParaRPr>
+          </a:p>
+        </p:txBody>
+      </p:sp>
+      <p:sp>
+        <p:nvSpPr>
+          <p:cNvPr id="5" name="9 CuadroTexto"/>
+          <p:cNvSpPr txBox="1"/>
+          <p:nvPr/>
+        </p:nvSpPr>
+        <p:spPr>
+          <a:xfrm>
+            <a:off x="179512" y="116632"/>
+            <a:ext cx="8964488" cy="1862048"/>
+          </a:xfrm>
+          <a:prstGeom prst="rect">
+            <a:avLst/>
+          </a:prstGeom>
+          <a:noFill/>
+        </p:spPr>
+        <p:txBody>
+          <a:bodyPr wrap="square" rtlCol="0">
+            <a:spAutoFit/>
+            <a:scene3d>
+              <a:camera prst="orthographicFront"/>
+              <a:lightRig rig="soft" dir="tl">
+                <a:rot lat="0" lon="0" rev="0"/>
+              </a:lightRig>
+            </a:scene3d>
+            <a:sp3d contourW="25400" prstMaterial="matte">
+              <a:bevelT w="25400" h="55880" prst="artDeco"/>
+              <a:contourClr>
+                <a:schemeClr val="accent2">
+                  <a:tint val="20000"/>
+                </a:schemeClr>
+              </a:contourClr>
+            </a:sp3d>
+          </a:bodyPr>
+          <a:lstStyle/>
+          <a:p>
+            <a:r>
+              <a:rPr lang="es-ES" sz="11500" b="1" spc="50" dirty="0" smtClean="0">
+                <a:ln w="11430"/>
+                <a:solidFill>
+                  <a:srgbClr val="002060"/>
+                </a:solidFill>
+                <a:effectLst>
+                  <a:outerShdw blurRad="76200" dist="50800" dir="5400000" algn="tl" rotWithShape="0">
+                    <a:srgbClr val="000000">
+                      <a:alpha val="65000"/>
+                    </a:srgbClr>
+                  </a:outerShdw>
+                </a:effectLst>
+                <a:latin typeface="Berlin Sans FB" pitchFamily="34" charset="0"/>
+                <a:cs typeface="Arial" pitchFamily="34" charset="0"/>
+              </a:rPr>
+              <a:t>APPRECETA </a:t>
+            </a:r>
+            <a:endParaRPr lang="es-ES" sz="11500" b="1" spc="50" dirty="0" smtClean="0">
+              <a:ln w="11430"/>
+              <a:solidFill>
+                <a:srgbClr val="002060"/>
+              </a:solidFill>
+              <a:effectLst>
+                <a:outerShdw blurRad="76200" dist="50800" dir="5400000" algn="tl" rotWithShape="0">
+                  <a:srgbClr val="000000">
+                    <a:alpha val="65000"/>
+                  </a:srgbClr>
+                </a:outerShdw>
+              </a:effectLst>
+              <a:latin typeface="Berlin Sans FB" pitchFamily="34" charset="0"/>
+              <a:cs typeface="Arial" pitchFamily="34" charset="0"/>
             </a:endParaRPr>
           </a:p>
         </p:txBody>
